--- a/spring12/slidesS12/derived-variables.pptx
+++ b/spring12/slidesS12/derived-variables.pptx
@@ -11,20 +11,20 @@
     <p:handoutMasterId r:id="rId17"/>
   </p:handoutMasterIdLst>
   <p:sldIdLst>
-    <p:sldId id="318" r:id="rId2"/>
-    <p:sldId id="299" r:id="rId3"/>
-    <p:sldId id="300" r:id="rId4"/>
-    <p:sldId id="301" r:id="rId5"/>
-    <p:sldId id="302" r:id="rId6"/>
-    <p:sldId id="303" r:id="rId7"/>
-    <p:sldId id="304" r:id="rId8"/>
-    <p:sldId id="305" r:id="rId9"/>
-    <p:sldId id="306" r:id="rId10"/>
-    <p:sldId id="307" r:id="rId11"/>
-    <p:sldId id="308" r:id="rId12"/>
-    <p:sldId id="309" r:id="rId13"/>
-    <p:sldId id="310" r:id="rId14"/>
-    <p:sldId id="315" r:id="rId15"/>
+    <p:sldId id="342" r:id="rId2"/>
+    <p:sldId id="329" r:id="rId3"/>
+    <p:sldId id="330" r:id="rId4"/>
+    <p:sldId id="331" r:id="rId5"/>
+    <p:sldId id="332" r:id="rId6"/>
+    <p:sldId id="333" r:id="rId7"/>
+    <p:sldId id="334" r:id="rId8"/>
+    <p:sldId id="335" r:id="rId9"/>
+    <p:sldId id="336" r:id="rId10"/>
+    <p:sldId id="337" r:id="rId11"/>
+    <p:sldId id="338" r:id="rId12"/>
+    <p:sldId id="339" r:id="rId13"/>
+    <p:sldId id="341" r:id="rId14"/>
+    <p:sldId id="340" r:id="rId15"/>
   </p:sldIdLst>
   <p:sldSz cx="9144000" cy="6858000" type="screen4x3"/>
   <p:notesSz cx="9144000" cy="6858000"/>
@@ -266,7 +266,7 @@
               <a:pPr>
                 <a:defRPr/>
               </a:pPr>
-              <a:t>2/23/12</a:t>
+              <a:t>2/26/12</a:t>
             </a:fld>
             <a:endParaRPr lang="en-US"/>
           </a:p>
@@ -346,7 +346,7 @@
             <a:pPr>
               <a:defRPr/>
             </a:pPr>
-            <a:fld id="{AC9B08DB-53D8-BE41-8681-FFEE4DC3A149}" type="slidenum">
+            <a:fld id="{C07AD31A-413A-0B44-AE31-2CAB05324A80}" type="slidenum">
               <a:rPr lang="en-US"/>
               <a:pPr>
                 <a:defRPr/>
@@ -360,7 +360,7 @@
     </p:spTree>
     <p:extLst>
       <p:ext uri="{BB962C8B-B14F-4D97-AF65-F5344CB8AC3E}">
-        <p14:creationId xmlns:p14="http://schemas.microsoft.com/office/powerpoint/2010/main" val="2985789261"/>
+        <p14:creationId xmlns:p14="http://schemas.microsoft.com/office/powerpoint/2010/main" val="268076203"/>
       </p:ext>
     </p:extLst>
   </p:cSld>
@@ -464,12 +464,12 @@
             <a:pPr>
               <a:defRPr/>
             </a:pPr>
-            <a:fld id="{50F6D19C-BF79-1548-AF1D-C60072F4F1D7}" type="datetime1">
+            <a:fld id="{F4EF2F40-279D-B440-9F57-BE86692FCEE6}" type="datetime1">
               <a:rPr lang="en-US"/>
               <a:pPr>
                 <a:defRPr/>
               </a:pPr>
-              <a:t>2/23/12</a:t>
+              <a:t>2/26/12</a:t>
             </a:fld>
             <a:endParaRPr lang="en-US"/>
           </a:p>
@@ -644,7 +644,7 @@
             <a:pPr>
               <a:defRPr/>
             </a:pPr>
-            <a:fld id="{D6772EB2-AD79-7D47-805F-3B12195A9C66}" type="slidenum">
+            <a:fld id="{1FCFB861-87CC-D54D-8BEC-60CBD332649A}" type="slidenum">
               <a:rPr lang="en-US"/>
               <a:pPr>
                 <a:defRPr/>
@@ -658,7 +658,7 @@
     </p:spTree>
     <p:extLst>
       <p:ext uri="{BB962C8B-B14F-4D97-AF65-F5344CB8AC3E}">
-        <p14:creationId xmlns:p14="http://schemas.microsoft.com/office/powerpoint/2010/main" val="1193995725"/>
+        <p14:creationId xmlns:p14="http://schemas.microsoft.com/office/powerpoint/2010/main" val="160522679"/>
       </p:ext>
     </p:extLst>
   </p:cSld>
@@ -807,101 +807,70 @@
       </p:grpSpPr>
       <p:sp>
         <p:nvSpPr>
-          <p:cNvPr id="14338" name="Rectangle 7"/>
+          <p:cNvPr id="2" name="Slide Image Placeholder 1"/>
           <p:cNvSpPr>
-            <a:spLocks noGrp="1" noChangeArrowheads="1"/>
-          </p:cNvSpPr>
-          <p:nvPr>
-            <p:ph type="sldNum" sz="quarter" idx="5"/>
-          </p:nvPr>
-        </p:nvSpPr>
-        <p:spPr bwMode="auto">
-          <a:noFill/>
-          <a:ln>
-            <a:miter lim="800000"/>
-            <a:headEnd/>
-            <a:tailEnd/>
-          </a:ln>
-        </p:spPr>
-        <p:txBody>
-          <a:bodyPr wrap="square" numCol="1" anchorCtr="0" compatLnSpc="1">
-            <a:prstTxWarp prst="textNoShape">
-              <a:avLst/>
-            </a:prstTxWarp>
-          </a:bodyPr>
-          <a:lstStyle/>
-          <a:p>
-            <a:fld id="{37E67006-4FB5-2D4A-BC36-4AC03BB40118}" type="slidenum">
-              <a:rPr lang="en-US" smtClean="0">
-                <a:latin typeface="Gill Sans" pitchFamily="-107" charset="0"/>
-                <a:ea typeface="ヒラギノ角ゴ ProN W3" pitchFamily="-107" charset="-128"/>
-                <a:cs typeface="ヒラギノ角ゴ ProN W3" pitchFamily="-107" charset="-128"/>
-                <a:sym typeface="Gill Sans" pitchFamily="-107" charset="0"/>
-              </a:rPr>
-              <a:pPr/>
-              <a:t>1</a:t>
-            </a:fld>
-            <a:endParaRPr lang="en-US" smtClean="0">
-              <a:latin typeface="Gill Sans" pitchFamily="-107" charset="0"/>
-              <a:ea typeface="ヒラギノ角ゴ ProN W3" pitchFamily="-107" charset="-128"/>
-              <a:cs typeface="ヒラギノ角ゴ ProN W3" pitchFamily="-107" charset="-128"/>
-              <a:sym typeface="Gill Sans" pitchFamily="-107" charset="0"/>
-            </a:endParaRPr>
-          </a:p>
-        </p:txBody>
-      </p:sp>
-      <p:sp>
-        <p:nvSpPr>
-          <p:cNvPr id="14339" name="Rectangle 2"/>
-          <p:cNvSpPr>
-            <a:spLocks noGrp="1" noRot="1" noChangeAspect="1" noChangeArrowheads="1" noTextEdit="1"/>
+            <a:spLocks noGrp="1" noRot="1" noChangeAspect="1"/>
           </p:cNvSpPr>
           <p:nvPr>
             <p:ph type="sldImg"/>
           </p:nvPr>
         </p:nvSpPr>
-        <p:spPr bwMode="auto">
-          <a:noFill/>
-          <a:ln>
-            <a:solidFill>
-              <a:srgbClr val="000000"/>
-            </a:solidFill>
-            <a:miter lim="800000"/>
-            <a:headEnd/>
-            <a:tailEnd/>
-          </a:ln>
-        </p:spPr>
+        <p:spPr/>
       </p:sp>
       <p:sp>
         <p:nvSpPr>
-          <p:cNvPr id="14340" name="Rectangle 3"/>
+          <p:cNvPr id="3" name="Notes Placeholder 2"/>
           <p:cNvSpPr>
-            <a:spLocks noGrp="1" noChangeArrowheads="1"/>
+            <a:spLocks noGrp="1"/>
           </p:cNvSpPr>
           <p:nvPr>
             <p:ph type="body" idx="1"/>
           </p:nvPr>
         </p:nvSpPr>
-        <p:spPr bwMode="auto">
-          <a:noFill/>
-        </p:spPr>
+        <p:spPr/>
         <p:txBody>
-          <a:bodyPr wrap="square" numCol="1" anchor="t" anchorCtr="0" compatLnSpc="1">
-            <a:prstTxWarp prst="textNoShape">
-              <a:avLst/>
-            </a:prstTxWarp>
-          </a:bodyPr>
+          <a:bodyPr/>
           <a:lstStyle/>
           <a:p>
-            <a:pPr eaLnBrk="1" hangingPunct="1"/>
-            <a:endParaRPr lang="en-US" smtClean="0">
-              <a:ea typeface="ＭＳ Ｐゴシック" pitchFamily="-107" charset="-128"/>
-              <a:cs typeface="ＭＳ Ｐゴシック" pitchFamily="-107" charset="-128"/>
-            </a:endParaRPr>
+            <a:endParaRPr lang="en-US"/>
+          </a:p>
+        </p:txBody>
+      </p:sp>
+      <p:sp>
+        <p:nvSpPr>
+          <p:cNvPr id="4" name="Slide Number Placeholder 3"/>
+          <p:cNvSpPr>
+            <a:spLocks noGrp="1"/>
+          </p:cNvSpPr>
+          <p:nvPr>
+            <p:ph type="sldNum" sz="quarter" idx="10"/>
+          </p:nvPr>
+        </p:nvSpPr>
+        <p:spPr/>
+        <p:txBody>
+          <a:bodyPr/>
+          <a:lstStyle/>
+          <a:p>
+            <a:pPr>
+              <a:defRPr/>
+            </a:pPr>
+            <a:fld id="{1FCFB861-87CC-D54D-8BEC-60CBD332649A}" type="slidenum">
+              <a:rPr lang="en-US" smtClean="0"/>
+              <a:pPr>
+                <a:defRPr/>
+              </a:pPr>
+              <a:t>1</a:t>
+            </a:fld>
+            <a:endParaRPr lang="en-US"/>
           </a:p>
         </p:txBody>
       </p:sp>
     </p:spTree>
+    <p:extLst>
+      <p:ext uri="{BB962C8B-B14F-4D97-AF65-F5344CB8AC3E}">
+        <p14:creationId xmlns:p14="http://schemas.microsoft.com/office/powerpoint/2010/main" val="880818651"/>
+      </p:ext>
+    </p:extLst>
   </p:cSld>
   <p:clrMapOvr>
     <a:masterClrMapping/>
@@ -2377,16 +2346,29 @@
             </a:lvl1pPr>
           </a:lstStyle>
           <a:p>
-            <a:r>
-              <a:rPr lang="en-US"/>
-              <a:t>lec 5F.</a:t>
-            </a:r>
-            <a:fld id="{30A4A1F7-E3CC-FB44-83ED-DB922718AB22}" type="slidenum">
-              <a:rPr lang="en-US"/>
-              <a:pPr/>
+            <a:pPr>
+              <a:defRPr/>
+            </a:pPr>
+            <a:r>
+              <a:rPr lang="en-US" dirty="0" err="1"/>
+              <a:t>lec</a:t>
+            </a:r>
+            <a:r>
+              <a:rPr lang="en-US" dirty="0"/>
+              <a:t> </a:t>
+            </a:r>
+            <a:r>
+              <a:rPr lang="en-US" dirty="0" smtClean="0"/>
+              <a:t>4F.</a:t>
+            </a:r>
+            <a:fld id="{1CB34E5C-2583-D940-BDA5-B14560D5F6FE}" type="slidenum">
+              <a:rPr lang="en-US" smtClean="0"/>
+              <a:pPr>
+                <a:defRPr/>
+              </a:pPr>
               <a:t>‹#›</a:t>
             </a:fld>
-            <a:endParaRPr lang="en-US"/>
+            <a:endParaRPr lang="en-US" dirty="0"/>
           </a:p>
         </p:txBody>
       </p:sp>
@@ -2528,16 +2510,29 @@
             </a:lvl1pPr>
           </a:lstStyle>
           <a:p>
-            <a:r>
+            <a:pPr>
+              <a:defRPr/>
+            </a:pPr>
+            <a:r>
+              <a:rPr lang="en-US" dirty="0" err="1"/>
+              <a:t>lec</a:t>
+            </a:r>
+            <a:r>
+              <a:rPr lang="en-US" dirty="0"/>
+              <a:t> </a:t>
+            </a:r>
+            <a:r>
+              <a:rPr lang="en-US" dirty="0" smtClean="0"/>
+              <a:t>4F.</a:t>
+            </a:r>
+            <a:fld id="{FE692664-FE70-5442-8E5B-915464ACAAE6}" type="slidenum">
               <a:rPr lang="en-US"/>
-              <a:t>lec 5F.</a:t>
-            </a:r>
-            <a:fld id="{0143A0D8-C6CD-4246-87DE-E27485057A13}" type="slidenum">
-              <a:rPr lang="en-US"/>
-              <a:pPr/>
+              <a:pPr>
+                <a:defRPr/>
+              </a:pPr>
               <a:t>‹#›</a:t>
             </a:fld>
-            <a:endParaRPr lang="en-US"/>
+            <a:endParaRPr lang="en-US" dirty="0"/>
           </a:p>
         </p:txBody>
       </p:sp>
@@ -2680,17 +2675,14 @@
             <p:ph type="sldNum" sz="quarter" idx="10"/>
           </p:nvPr>
         </p:nvSpPr>
-        <p:spPr/>
+        <p:spPr>
+          <a:ln/>
+        </p:spPr>
         <p:txBody>
           <a:bodyPr/>
           <a:lstStyle>
             <a:lvl1pPr>
-              <a:defRPr>
-                <a:latin typeface="Comic Sans MS" pitchFamily="-112" charset="0"/>
-                <a:ea typeface="Comic Sans MS" pitchFamily="-112" charset="0"/>
-                <a:cs typeface="Comic Sans MS" pitchFamily="-112" charset="0"/>
-                <a:sym typeface="Comic Sans MS" pitchFamily="-112" charset="0"/>
-              </a:defRPr>
+              <a:defRPr/>
             </a:lvl1pPr>
           </a:lstStyle>
           <a:p>
@@ -2698,17 +2690,25 @@
               <a:defRPr/>
             </a:pPr>
             <a:r>
-              <a:rPr lang="en-US"/>
-              <a:t>lec 5W.</a:t>
-            </a:r>
-            <a:fld id="{C729BB93-282F-6041-86E0-01EE82DD7BFE}" type="slidenum">
+              <a:rPr lang="en-US" dirty="0" err="1"/>
+              <a:t>lec</a:t>
+            </a:r>
+            <a:r>
+              <a:rPr lang="en-US" dirty="0"/>
+              <a:t> </a:t>
+            </a:r>
+            <a:r>
+              <a:rPr lang="en-US" dirty="0" smtClean="0"/>
+              <a:t>4F.</a:t>
+            </a:r>
+            <a:fld id="{719741FC-A935-8A40-B896-C0FB0F48BA72}" type="slidenum">
               <a:rPr lang="en-US"/>
               <a:pPr>
                 <a:defRPr/>
               </a:pPr>
               <a:t>‹#›</a:t>
             </a:fld>
-            <a:endParaRPr lang="en-US"/>
+            <a:endParaRPr lang="en-US" dirty="0"/>
           </a:p>
         </p:txBody>
       </p:sp>
@@ -2722,696 +2722,6 @@
 </file>
 
 <file path=ppt/slideLayouts/slideLayout4.xml><?xml version="1.0" encoding="utf-8"?>
-<p:sldLayout xmlns:a="http://schemas.openxmlformats.org/drawingml/2006/main" xmlns:r="http://schemas.openxmlformats.org/officeDocument/2006/relationships" xmlns:p="http://schemas.openxmlformats.org/presentationml/2006/main" type="twoObj" preserve="1">
-  <p:cSld name="Two Content">
-    <p:spTree>
-      <p:nvGrpSpPr>
-        <p:cNvPr id="1" name=""/>
-        <p:cNvGrpSpPr/>
-        <p:nvPr/>
-      </p:nvGrpSpPr>
-      <p:grpSpPr>
-        <a:xfrm>
-          <a:off x="0" y="0"/>
-          <a:ext cx="0" cy="0"/>
-          <a:chOff x="0" y="0"/>
-          <a:chExt cx="0" cy="0"/>
-        </a:xfrm>
-      </p:grpSpPr>
-      <p:sp>
-        <p:nvSpPr>
-          <p:cNvPr id="2" name="Title 1"/>
-          <p:cNvSpPr>
-            <a:spLocks noGrp="1"/>
-          </p:cNvSpPr>
-          <p:nvPr>
-            <p:ph type="title"/>
-          </p:nvPr>
-        </p:nvSpPr>
-        <p:spPr>
-          <a:xfrm>
-            <a:off x="457200" y="274638"/>
-            <a:ext cx="8229600" cy="1143000"/>
-          </a:xfrm>
-          <a:prstGeom prst="rect">
-            <a:avLst/>
-          </a:prstGeom>
-        </p:spPr>
-        <p:txBody>
-          <a:bodyPr vert="horz"/>
-          <a:lstStyle/>
-          <a:p>
-            <a:r>
-              <a:rPr lang="en-US" smtClean="0"/>
-              <a:t>Click to edit Master title style</a:t>
-            </a:r>
-            <a:endParaRPr lang="en-US"/>
-          </a:p>
-        </p:txBody>
-      </p:sp>
-      <p:sp>
-        <p:nvSpPr>
-          <p:cNvPr id="3" name="Content Placeholder 2"/>
-          <p:cNvSpPr>
-            <a:spLocks noGrp="1"/>
-          </p:cNvSpPr>
-          <p:nvPr>
-            <p:ph sz="half" idx="1"/>
-          </p:nvPr>
-        </p:nvSpPr>
-        <p:spPr>
-          <a:xfrm>
-            <a:off x="457200" y="1600200"/>
-            <a:ext cx="4038600" cy="4525963"/>
-          </a:xfrm>
-          <a:prstGeom prst="rect">
-            <a:avLst/>
-          </a:prstGeom>
-        </p:spPr>
-        <p:txBody>
-          <a:bodyPr vert="horz"/>
-          <a:lstStyle>
-            <a:lvl1pPr>
-              <a:defRPr sz="2800"/>
-            </a:lvl1pPr>
-            <a:lvl2pPr>
-              <a:defRPr sz="2400"/>
-            </a:lvl2pPr>
-            <a:lvl3pPr>
-              <a:defRPr sz="2000"/>
-            </a:lvl3pPr>
-            <a:lvl4pPr>
-              <a:defRPr sz="1800"/>
-            </a:lvl4pPr>
-            <a:lvl5pPr>
-              <a:defRPr sz="1800"/>
-            </a:lvl5pPr>
-            <a:lvl6pPr>
-              <a:defRPr sz="1800"/>
-            </a:lvl6pPr>
-            <a:lvl7pPr>
-              <a:defRPr sz="1800"/>
-            </a:lvl7pPr>
-            <a:lvl8pPr>
-              <a:defRPr sz="1800"/>
-            </a:lvl8pPr>
-            <a:lvl9pPr>
-              <a:defRPr sz="1800"/>
-            </a:lvl9pPr>
-          </a:lstStyle>
-          <a:p>
-            <a:pPr lvl="0"/>
-            <a:r>
-              <a:rPr lang="en-US" smtClean="0"/>
-              <a:t>Click to edit Master text styles</a:t>
-            </a:r>
-          </a:p>
-          <a:p>
-            <a:pPr lvl="1"/>
-            <a:r>
-              <a:rPr lang="en-US" smtClean="0"/>
-              <a:t>Second level</a:t>
-            </a:r>
-          </a:p>
-          <a:p>
-            <a:pPr lvl="2"/>
-            <a:r>
-              <a:rPr lang="en-US" smtClean="0"/>
-              <a:t>Third level</a:t>
-            </a:r>
-          </a:p>
-          <a:p>
-            <a:pPr lvl="3"/>
-            <a:r>
-              <a:rPr lang="en-US" smtClean="0"/>
-              <a:t>Fourth level</a:t>
-            </a:r>
-          </a:p>
-          <a:p>
-            <a:pPr lvl="4"/>
-            <a:r>
-              <a:rPr lang="en-US" smtClean="0"/>
-              <a:t>Fifth level</a:t>
-            </a:r>
-            <a:endParaRPr lang="en-US"/>
-          </a:p>
-        </p:txBody>
-      </p:sp>
-      <p:sp>
-        <p:nvSpPr>
-          <p:cNvPr id="4" name="Content Placeholder 3"/>
-          <p:cNvSpPr>
-            <a:spLocks noGrp="1"/>
-          </p:cNvSpPr>
-          <p:nvPr>
-            <p:ph sz="half" idx="2"/>
-          </p:nvPr>
-        </p:nvSpPr>
-        <p:spPr>
-          <a:xfrm>
-            <a:off x="4648200" y="1600200"/>
-            <a:ext cx="4038600" cy="4525963"/>
-          </a:xfrm>
-          <a:prstGeom prst="rect">
-            <a:avLst/>
-          </a:prstGeom>
-        </p:spPr>
-        <p:txBody>
-          <a:bodyPr vert="horz"/>
-          <a:lstStyle>
-            <a:lvl1pPr>
-              <a:defRPr sz="2800"/>
-            </a:lvl1pPr>
-            <a:lvl2pPr>
-              <a:defRPr sz="2400"/>
-            </a:lvl2pPr>
-            <a:lvl3pPr>
-              <a:defRPr sz="2000"/>
-            </a:lvl3pPr>
-            <a:lvl4pPr>
-              <a:defRPr sz="1800"/>
-            </a:lvl4pPr>
-            <a:lvl5pPr>
-              <a:defRPr sz="1800"/>
-            </a:lvl5pPr>
-            <a:lvl6pPr>
-              <a:defRPr sz="1800"/>
-            </a:lvl6pPr>
-            <a:lvl7pPr>
-              <a:defRPr sz="1800"/>
-            </a:lvl7pPr>
-            <a:lvl8pPr>
-              <a:defRPr sz="1800"/>
-            </a:lvl8pPr>
-            <a:lvl9pPr>
-              <a:defRPr sz="1800"/>
-            </a:lvl9pPr>
-          </a:lstStyle>
-          <a:p>
-            <a:pPr lvl="0"/>
-            <a:r>
-              <a:rPr lang="en-US" smtClean="0"/>
-              <a:t>Click to edit Master text styles</a:t>
-            </a:r>
-          </a:p>
-          <a:p>
-            <a:pPr lvl="1"/>
-            <a:r>
-              <a:rPr lang="en-US" smtClean="0"/>
-              <a:t>Second level</a:t>
-            </a:r>
-          </a:p>
-          <a:p>
-            <a:pPr lvl="2"/>
-            <a:r>
-              <a:rPr lang="en-US" smtClean="0"/>
-              <a:t>Third level</a:t>
-            </a:r>
-          </a:p>
-          <a:p>
-            <a:pPr lvl="3"/>
-            <a:r>
-              <a:rPr lang="en-US" smtClean="0"/>
-              <a:t>Fourth level</a:t>
-            </a:r>
-          </a:p>
-          <a:p>
-            <a:pPr lvl="4"/>
-            <a:r>
-              <a:rPr lang="en-US" smtClean="0"/>
-              <a:t>Fifth level</a:t>
-            </a:r>
-            <a:endParaRPr lang="en-US"/>
-          </a:p>
-        </p:txBody>
-      </p:sp>
-      <p:sp>
-        <p:nvSpPr>
-          <p:cNvPr id="5" name="Text Box 1"/>
-          <p:cNvSpPr txBox="1">
-            <a:spLocks noGrp="1" noChangeArrowheads="1"/>
-          </p:cNvSpPr>
-          <p:nvPr>
-            <p:ph type="sldNum" sz="quarter" idx="10"/>
-          </p:nvPr>
-        </p:nvSpPr>
-        <p:spPr/>
-        <p:txBody>
-          <a:bodyPr/>
-          <a:lstStyle>
-            <a:lvl1pPr>
-              <a:defRPr>
-                <a:latin typeface="Comic Sans MS" pitchFamily="-112" charset="0"/>
-                <a:ea typeface="Comic Sans MS" pitchFamily="-112" charset="0"/>
-                <a:cs typeface="Comic Sans MS" pitchFamily="-112" charset="0"/>
-                <a:sym typeface="Comic Sans MS" pitchFamily="-112" charset="0"/>
-              </a:defRPr>
-            </a:lvl1pPr>
-          </a:lstStyle>
-          <a:p>
-            <a:pPr>
-              <a:defRPr/>
-            </a:pPr>
-            <a:r>
-              <a:rPr lang="en-US"/>
-              <a:t>lec 5W.</a:t>
-            </a:r>
-            <a:fld id="{D59B7D00-E734-084F-B729-BE30F5695DC0}" type="slidenum">
-              <a:rPr lang="en-US"/>
-              <a:pPr>
-                <a:defRPr/>
-              </a:pPr>
-              <a:t>‹#›</a:t>
-            </a:fld>
-            <a:endParaRPr lang="en-US"/>
-          </a:p>
-        </p:txBody>
-      </p:sp>
-    </p:spTree>
-  </p:cSld>
-  <p:clrMapOvr>
-    <a:masterClrMapping/>
-  </p:clrMapOvr>
-  <p:transition xmlns:p14="http://schemas.microsoft.com/office/powerpoint/2010/main"/>
-</p:sldLayout>
-</file>
-
-<file path=ppt/slideLayouts/slideLayout5.xml><?xml version="1.0" encoding="utf-8"?>
-<p:sldLayout xmlns:a="http://schemas.openxmlformats.org/drawingml/2006/main" xmlns:r="http://schemas.openxmlformats.org/officeDocument/2006/relationships" xmlns:p="http://schemas.openxmlformats.org/presentationml/2006/main" type="twoTxTwoObj" preserve="1">
-  <p:cSld name="Comparison">
-    <p:spTree>
-      <p:nvGrpSpPr>
-        <p:cNvPr id="1" name=""/>
-        <p:cNvGrpSpPr/>
-        <p:nvPr/>
-      </p:nvGrpSpPr>
-      <p:grpSpPr>
-        <a:xfrm>
-          <a:off x="0" y="0"/>
-          <a:ext cx="0" cy="0"/>
-          <a:chOff x="0" y="0"/>
-          <a:chExt cx="0" cy="0"/>
-        </a:xfrm>
-      </p:grpSpPr>
-      <p:sp>
-        <p:nvSpPr>
-          <p:cNvPr id="2" name="Title 1"/>
-          <p:cNvSpPr>
-            <a:spLocks noGrp="1"/>
-          </p:cNvSpPr>
-          <p:nvPr>
-            <p:ph type="title"/>
-          </p:nvPr>
-        </p:nvSpPr>
-        <p:spPr>
-          <a:xfrm>
-            <a:off x="457200" y="274638"/>
-            <a:ext cx="8229600" cy="1143000"/>
-          </a:xfrm>
-          <a:prstGeom prst="rect">
-            <a:avLst/>
-          </a:prstGeom>
-        </p:spPr>
-        <p:txBody>
-          <a:bodyPr vert="horz"/>
-          <a:lstStyle>
-            <a:lvl1pPr>
-              <a:defRPr/>
-            </a:lvl1pPr>
-          </a:lstStyle>
-          <a:p>
-            <a:r>
-              <a:rPr lang="en-US" smtClean="0"/>
-              <a:t>Click to edit Master title style</a:t>
-            </a:r>
-            <a:endParaRPr lang="en-US"/>
-          </a:p>
-        </p:txBody>
-      </p:sp>
-      <p:sp>
-        <p:nvSpPr>
-          <p:cNvPr id="3" name="Text Placeholder 2"/>
-          <p:cNvSpPr>
-            <a:spLocks noGrp="1"/>
-          </p:cNvSpPr>
-          <p:nvPr>
-            <p:ph type="body" idx="1"/>
-          </p:nvPr>
-        </p:nvSpPr>
-        <p:spPr>
-          <a:xfrm>
-            <a:off x="457200" y="1535113"/>
-            <a:ext cx="4040188" cy="639762"/>
-          </a:xfrm>
-          <a:prstGeom prst="rect">
-            <a:avLst/>
-          </a:prstGeom>
-        </p:spPr>
-        <p:txBody>
-          <a:bodyPr vert="horz" anchor="b"/>
-          <a:lstStyle>
-            <a:lvl1pPr marL="0" indent="0">
-              <a:buNone/>
-              <a:defRPr sz="2400" b="1"/>
-            </a:lvl1pPr>
-            <a:lvl2pPr marL="457200" indent="0">
-              <a:buNone/>
-              <a:defRPr sz="2000" b="1"/>
-            </a:lvl2pPr>
-            <a:lvl3pPr marL="914400" indent="0">
-              <a:buNone/>
-              <a:defRPr sz="1800" b="1"/>
-            </a:lvl3pPr>
-            <a:lvl4pPr marL="1371600" indent="0">
-              <a:buNone/>
-              <a:defRPr sz="1600" b="1"/>
-            </a:lvl4pPr>
-            <a:lvl5pPr marL="1828800" indent="0">
-              <a:buNone/>
-              <a:defRPr sz="1600" b="1"/>
-            </a:lvl5pPr>
-            <a:lvl6pPr marL="2286000" indent="0">
-              <a:buNone/>
-              <a:defRPr sz="1600" b="1"/>
-            </a:lvl6pPr>
-            <a:lvl7pPr marL="2743200" indent="0">
-              <a:buNone/>
-              <a:defRPr sz="1600" b="1"/>
-            </a:lvl7pPr>
-            <a:lvl8pPr marL="3200400" indent="0">
-              <a:buNone/>
-              <a:defRPr sz="1600" b="1"/>
-            </a:lvl8pPr>
-            <a:lvl9pPr marL="3657600" indent="0">
-              <a:buNone/>
-              <a:defRPr sz="1600" b="1"/>
-            </a:lvl9pPr>
-          </a:lstStyle>
-          <a:p>
-            <a:pPr lvl="0"/>
-            <a:r>
-              <a:rPr lang="en-US" smtClean="0"/>
-              <a:t>Click to edit Master text styles</a:t>
-            </a:r>
-          </a:p>
-        </p:txBody>
-      </p:sp>
-      <p:sp>
-        <p:nvSpPr>
-          <p:cNvPr id="4" name="Content Placeholder 3"/>
-          <p:cNvSpPr>
-            <a:spLocks noGrp="1"/>
-          </p:cNvSpPr>
-          <p:nvPr>
-            <p:ph sz="half" idx="2"/>
-          </p:nvPr>
-        </p:nvSpPr>
-        <p:spPr>
-          <a:xfrm>
-            <a:off x="457200" y="2174875"/>
-            <a:ext cx="4040188" cy="3951288"/>
-          </a:xfrm>
-          <a:prstGeom prst="rect">
-            <a:avLst/>
-          </a:prstGeom>
-        </p:spPr>
-        <p:txBody>
-          <a:bodyPr vert="horz"/>
-          <a:lstStyle>
-            <a:lvl1pPr>
-              <a:defRPr sz="2400"/>
-            </a:lvl1pPr>
-            <a:lvl2pPr>
-              <a:defRPr sz="2000"/>
-            </a:lvl2pPr>
-            <a:lvl3pPr>
-              <a:defRPr sz="1800"/>
-            </a:lvl3pPr>
-            <a:lvl4pPr>
-              <a:defRPr sz="1600"/>
-            </a:lvl4pPr>
-            <a:lvl5pPr>
-              <a:defRPr sz="1600"/>
-            </a:lvl5pPr>
-            <a:lvl6pPr>
-              <a:defRPr sz="1600"/>
-            </a:lvl6pPr>
-            <a:lvl7pPr>
-              <a:defRPr sz="1600"/>
-            </a:lvl7pPr>
-            <a:lvl8pPr>
-              <a:defRPr sz="1600"/>
-            </a:lvl8pPr>
-            <a:lvl9pPr>
-              <a:defRPr sz="1600"/>
-            </a:lvl9pPr>
-          </a:lstStyle>
-          <a:p>
-            <a:pPr lvl="0"/>
-            <a:r>
-              <a:rPr lang="en-US" smtClean="0"/>
-              <a:t>Click to edit Master text styles</a:t>
-            </a:r>
-          </a:p>
-          <a:p>
-            <a:pPr lvl="1"/>
-            <a:r>
-              <a:rPr lang="en-US" smtClean="0"/>
-              <a:t>Second level</a:t>
-            </a:r>
-          </a:p>
-          <a:p>
-            <a:pPr lvl="2"/>
-            <a:r>
-              <a:rPr lang="en-US" smtClean="0"/>
-              <a:t>Third level</a:t>
-            </a:r>
-          </a:p>
-          <a:p>
-            <a:pPr lvl="3"/>
-            <a:r>
-              <a:rPr lang="en-US" smtClean="0"/>
-              <a:t>Fourth level</a:t>
-            </a:r>
-          </a:p>
-          <a:p>
-            <a:pPr lvl="4"/>
-            <a:r>
-              <a:rPr lang="en-US" smtClean="0"/>
-              <a:t>Fifth level</a:t>
-            </a:r>
-            <a:endParaRPr lang="en-US"/>
-          </a:p>
-        </p:txBody>
-      </p:sp>
-      <p:sp>
-        <p:nvSpPr>
-          <p:cNvPr id="5" name="Text Placeholder 4"/>
-          <p:cNvSpPr>
-            <a:spLocks noGrp="1"/>
-          </p:cNvSpPr>
-          <p:nvPr>
-            <p:ph type="body" sz="quarter" idx="3"/>
-          </p:nvPr>
-        </p:nvSpPr>
-        <p:spPr>
-          <a:xfrm>
-            <a:off x="4645025" y="1535113"/>
-            <a:ext cx="4041775" cy="639762"/>
-          </a:xfrm>
-          <a:prstGeom prst="rect">
-            <a:avLst/>
-          </a:prstGeom>
-        </p:spPr>
-        <p:txBody>
-          <a:bodyPr vert="horz" anchor="b"/>
-          <a:lstStyle>
-            <a:lvl1pPr marL="0" indent="0">
-              <a:buNone/>
-              <a:defRPr sz="2400" b="1"/>
-            </a:lvl1pPr>
-            <a:lvl2pPr marL="457200" indent="0">
-              <a:buNone/>
-              <a:defRPr sz="2000" b="1"/>
-            </a:lvl2pPr>
-            <a:lvl3pPr marL="914400" indent="0">
-              <a:buNone/>
-              <a:defRPr sz="1800" b="1"/>
-            </a:lvl3pPr>
-            <a:lvl4pPr marL="1371600" indent="0">
-              <a:buNone/>
-              <a:defRPr sz="1600" b="1"/>
-            </a:lvl4pPr>
-            <a:lvl5pPr marL="1828800" indent="0">
-              <a:buNone/>
-              <a:defRPr sz="1600" b="1"/>
-            </a:lvl5pPr>
-            <a:lvl6pPr marL="2286000" indent="0">
-              <a:buNone/>
-              <a:defRPr sz="1600" b="1"/>
-            </a:lvl6pPr>
-            <a:lvl7pPr marL="2743200" indent="0">
-              <a:buNone/>
-              <a:defRPr sz="1600" b="1"/>
-            </a:lvl7pPr>
-            <a:lvl8pPr marL="3200400" indent="0">
-              <a:buNone/>
-              <a:defRPr sz="1600" b="1"/>
-            </a:lvl8pPr>
-            <a:lvl9pPr marL="3657600" indent="0">
-              <a:buNone/>
-              <a:defRPr sz="1600" b="1"/>
-            </a:lvl9pPr>
-          </a:lstStyle>
-          <a:p>
-            <a:pPr lvl="0"/>
-            <a:r>
-              <a:rPr lang="en-US" smtClean="0"/>
-              <a:t>Click to edit Master text styles</a:t>
-            </a:r>
-          </a:p>
-        </p:txBody>
-      </p:sp>
-      <p:sp>
-        <p:nvSpPr>
-          <p:cNvPr id="6" name="Content Placeholder 5"/>
-          <p:cNvSpPr>
-            <a:spLocks noGrp="1"/>
-          </p:cNvSpPr>
-          <p:nvPr>
-            <p:ph sz="quarter" idx="4"/>
-          </p:nvPr>
-        </p:nvSpPr>
-        <p:spPr>
-          <a:xfrm>
-            <a:off x="4645025" y="2174875"/>
-            <a:ext cx="4041775" cy="3951288"/>
-          </a:xfrm>
-          <a:prstGeom prst="rect">
-            <a:avLst/>
-          </a:prstGeom>
-        </p:spPr>
-        <p:txBody>
-          <a:bodyPr vert="horz"/>
-          <a:lstStyle>
-            <a:lvl1pPr>
-              <a:defRPr sz="2400"/>
-            </a:lvl1pPr>
-            <a:lvl2pPr>
-              <a:defRPr sz="2000"/>
-            </a:lvl2pPr>
-            <a:lvl3pPr>
-              <a:defRPr sz="1800"/>
-            </a:lvl3pPr>
-            <a:lvl4pPr>
-              <a:defRPr sz="1600"/>
-            </a:lvl4pPr>
-            <a:lvl5pPr>
-              <a:defRPr sz="1600"/>
-            </a:lvl5pPr>
-            <a:lvl6pPr>
-              <a:defRPr sz="1600"/>
-            </a:lvl6pPr>
-            <a:lvl7pPr>
-              <a:defRPr sz="1600"/>
-            </a:lvl7pPr>
-            <a:lvl8pPr>
-              <a:defRPr sz="1600"/>
-            </a:lvl8pPr>
-            <a:lvl9pPr>
-              <a:defRPr sz="1600"/>
-            </a:lvl9pPr>
-          </a:lstStyle>
-          <a:p>
-            <a:pPr lvl="0"/>
-            <a:r>
-              <a:rPr lang="en-US" smtClean="0"/>
-              <a:t>Click to edit Master text styles</a:t>
-            </a:r>
-          </a:p>
-          <a:p>
-            <a:pPr lvl="1"/>
-            <a:r>
-              <a:rPr lang="en-US" smtClean="0"/>
-              <a:t>Second level</a:t>
-            </a:r>
-          </a:p>
-          <a:p>
-            <a:pPr lvl="2"/>
-            <a:r>
-              <a:rPr lang="en-US" smtClean="0"/>
-              <a:t>Third level</a:t>
-            </a:r>
-          </a:p>
-          <a:p>
-            <a:pPr lvl="3"/>
-            <a:r>
-              <a:rPr lang="en-US" smtClean="0"/>
-              <a:t>Fourth level</a:t>
-            </a:r>
-          </a:p>
-          <a:p>
-            <a:pPr lvl="4"/>
-            <a:r>
-              <a:rPr lang="en-US" smtClean="0"/>
-              <a:t>Fifth level</a:t>
-            </a:r>
-            <a:endParaRPr lang="en-US"/>
-          </a:p>
-        </p:txBody>
-      </p:sp>
-      <p:sp>
-        <p:nvSpPr>
-          <p:cNvPr id="7" name="Text Box 1"/>
-          <p:cNvSpPr txBox="1">
-            <a:spLocks noGrp="1" noChangeArrowheads="1"/>
-          </p:cNvSpPr>
-          <p:nvPr>
-            <p:ph type="sldNum" sz="quarter" idx="10"/>
-          </p:nvPr>
-        </p:nvSpPr>
-        <p:spPr/>
-        <p:txBody>
-          <a:bodyPr/>
-          <a:lstStyle>
-            <a:lvl1pPr>
-              <a:defRPr>
-                <a:latin typeface="Comic Sans MS" pitchFamily="-112" charset="0"/>
-                <a:ea typeface="Comic Sans MS" pitchFamily="-112" charset="0"/>
-                <a:cs typeface="Comic Sans MS" pitchFamily="-112" charset="0"/>
-                <a:sym typeface="Comic Sans MS" pitchFamily="-112" charset="0"/>
-              </a:defRPr>
-            </a:lvl1pPr>
-          </a:lstStyle>
-          <a:p>
-            <a:pPr>
-              <a:defRPr/>
-            </a:pPr>
-            <a:r>
-              <a:rPr lang="en-US"/>
-              <a:t>lec 5W.</a:t>
-            </a:r>
-            <a:fld id="{B92CBF38-6477-314A-BDF8-0D6E200A2906}" type="slidenum">
-              <a:rPr lang="en-US"/>
-              <a:pPr>
-                <a:defRPr/>
-              </a:pPr>
-              <a:t>‹#›</a:t>
-            </a:fld>
-            <a:endParaRPr lang="en-US"/>
-          </a:p>
-        </p:txBody>
-      </p:sp>
-    </p:spTree>
-  </p:cSld>
-  <p:clrMapOvr>
-    <a:masterClrMapping/>
-  </p:clrMapOvr>
-  <p:transition xmlns:p14="http://schemas.microsoft.com/office/powerpoint/2010/main"/>
-</p:sldLayout>
-</file>
-
-<file path=ppt/slideLayouts/slideLayout6.xml><?xml version="1.0" encoding="utf-8"?>
 <p:sldLayout xmlns:a="http://schemas.openxmlformats.org/drawingml/2006/main" xmlns:r="http://schemas.openxmlformats.org/officeDocument/2006/relationships" xmlns:p="http://schemas.openxmlformats.org/presentationml/2006/main" type="titleOnly" preserve="1">
   <p:cSld name="Title Only">
     <p:spTree>
@@ -3480,16 +2790,29 @@
             </a:lvl1pPr>
           </a:lstStyle>
           <a:p>
-            <a:r>
-              <a:rPr lang="en-US"/>
-              <a:t>lec 5F.</a:t>
-            </a:r>
-            <a:fld id="{124D9A40-E3EA-E440-B6F6-3F765FF6474C}" type="slidenum">
-              <a:rPr lang="en-US"/>
-              <a:pPr/>
+            <a:pPr>
+              <a:defRPr/>
+            </a:pPr>
+            <a:r>
+              <a:rPr lang="en-US" dirty="0" err="1"/>
+              <a:t>lec</a:t>
+            </a:r>
+            <a:r>
+              <a:rPr lang="en-US" dirty="0"/>
+              <a:t> </a:t>
+            </a:r>
+            <a:r>
+              <a:rPr lang="en-US" dirty="0" smtClean="0"/>
+              <a:t>4F.</a:t>
+            </a:r>
+            <a:fld id="{E81F6104-1309-DC49-8811-A707890DF7A2}" type="slidenum">
+              <a:rPr lang="en-US" smtClean="0"/>
+              <a:pPr>
+                <a:defRPr/>
+              </a:pPr>
               <a:t>‹#›</a:t>
             </a:fld>
-            <a:endParaRPr lang="en-US"/>
+            <a:endParaRPr lang="en-US" dirty="0"/>
           </a:p>
         </p:txBody>
       </p:sp>
@@ -3502,7 +2825,7 @@
 </p:sldLayout>
 </file>
 
-<file path=ppt/slideLayouts/slideLayout7.xml><?xml version="1.0" encoding="utf-8"?>
+<file path=ppt/slideLayouts/slideLayout5.xml><?xml version="1.0" encoding="utf-8"?>
 <p:sldLayout xmlns:a="http://schemas.openxmlformats.org/drawingml/2006/main" xmlns:r="http://schemas.openxmlformats.org/officeDocument/2006/relationships" xmlns:p="http://schemas.openxmlformats.org/presentationml/2006/main" type="blank" preserve="1">
   <p:cSld name="Blank">
     <p:spTree>
@@ -3540,16 +2863,29 @@
             </a:lvl1pPr>
           </a:lstStyle>
           <a:p>
-            <a:r>
+            <a:pPr>
+              <a:defRPr/>
+            </a:pPr>
+            <a:r>
+              <a:rPr lang="en-US" dirty="0" err="1"/>
+              <a:t>lec</a:t>
+            </a:r>
+            <a:r>
+              <a:rPr lang="en-US" dirty="0"/>
+              <a:t> </a:t>
+            </a:r>
+            <a:r>
+              <a:rPr lang="en-US" dirty="0" smtClean="0"/>
+              <a:t>4F.</a:t>
+            </a:r>
+            <a:fld id="{0D0C7DEE-7D4F-144F-86D1-D1EDC31D3B8B}" type="slidenum">
               <a:rPr lang="en-US"/>
-              <a:t>lec 5F.</a:t>
-            </a:r>
-            <a:fld id="{EACF30E3-5466-784B-9448-F9D726C928CA}" type="slidenum">
-              <a:rPr lang="en-US"/>
-              <a:pPr/>
+              <a:pPr>
+                <a:defRPr/>
+              </a:pPr>
               <a:t>‹#›</a:t>
             </a:fld>
-            <a:endParaRPr lang="en-US"/>
+            <a:endParaRPr lang="en-US" dirty="0"/>
           </a:p>
         </p:txBody>
       </p:sp>
@@ -3562,266 +2898,7 @@
 </p:sldLayout>
 </file>
 
-<file path=ppt/slideLayouts/slideLayout8.xml><?xml version="1.0" encoding="utf-8"?>
-<p:sldLayout xmlns:a="http://schemas.openxmlformats.org/drawingml/2006/main" xmlns:r="http://schemas.openxmlformats.org/officeDocument/2006/relationships" xmlns:p="http://schemas.openxmlformats.org/presentationml/2006/main" type="objTx" preserve="1">
-  <p:cSld name="Content with Caption">
-    <p:spTree>
-      <p:nvGrpSpPr>
-        <p:cNvPr id="1" name=""/>
-        <p:cNvGrpSpPr/>
-        <p:nvPr/>
-      </p:nvGrpSpPr>
-      <p:grpSpPr>
-        <a:xfrm>
-          <a:off x="0" y="0"/>
-          <a:ext cx="0" cy="0"/>
-          <a:chOff x="0" y="0"/>
-          <a:chExt cx="0" cy="0"/>
-        </a:xfrm>
-      </p:grpSpPr>
-      <p:sp>
-        <p:nvSpPr>
-          <p:cNvPr id="2" name="Title 1"/>
-          <p:cNvSpPr>
-            <a:spLocks noGrp="1"/>
-          </p:cNvSpPr>
-          <p:nvPr>
-            <p:ph type="title"/>
-          </p:nvPr>
-        </p:nvSpPr>
-        <p:spPr>
-          <a:xfrm>
-            <a:off x="457200" y="273050"/>
-            <a:ext cx="3008313" cy="1162050"/>
-          </a:xfrm>
-          <a:prstGeom prst="rect">
-            <a:avLst/>
-          </a:prstGeom>
-        </p:spPr>
-        <p:txBody>
-          <a:bodyPr vert="horz" anchor="b"/>
-          <a:lstStyle>
-            <a:lvl1pPr algn="l">
-              <a:defRPr sz="2000" b="1"/>
-            </a:lvl1pPr>
-          </a:lstStyle>
-          <a:p>
-            <a:r>
-              <a:rPr lang="en-US" smtClean="0"/>
-              <a:t>Click to edit Master title style</a:t>
-            </a:r>
-            <a:endParaRPr lang="en-US"/>
-          </a:p>
-        </p:txBody>
-      </p:sp>
-      <p:sp>
-        <p:nvSpPr>
-          <p:cNvPr id="3" name="Content Placeholder 2"/>
-          <p:cNvSpPr>
-            <a:spLocks noGrp="1"/>
-          </p:cNvSpPr>
-          <p:nvPr>
-            <p:ph idx="1"/>
-          </p:nvPr>
-        </p:nvSpPr>
-        <p:spPr>
-          <a:xfrm>
-            <a:off x="3575050" y="273050"/>
-            <a:ext cx="5111750" cy="5853113"/>
-          </a:xfrm>
-          <a:prstGeom prst="rect">
-            <a:avLst/>
-          </a:prstGeom>
-        </p:spPr>
-        <p:txBody>
-          <a:bodyPr vert="horz"/>
-          <a:lstStyle>
-            <a:lvl1pPr>
-              <a:defRPr sz="3200"/>
-            </a:lvl1pPr>
-            <a:lvl2pPr>
-              <a:defRPr sz="2800"/>
-            </a:lvl2pPr>
-            <a:lvl3pPr>
-              <a:defRPr sz="2400"/>
-            </a:lvl3pPr>
-            <a:lvl4pPr>
-              <a:defRPr sz="2000"/>
-            </a:lvl4pPr>
-            <a:lvl5pPr>
-              <a:defRPr sz="2000"/>
-            </a:lvl5pPr>
-            <a:lvl6pPr>
-              <a:defRPr sz="2000"/>
-            </a:lvl6pPr>
-            <a:lvl7pPr>
-              <a:defRPr sz="2000"/>
-            </a:lvl7pPr>
-            <a:lvl8pPr>
-              <a:defRPr sz="2000"/>
-            </a:lvl8pPr>
-            <a:lvl9pPr>
-              <a:defRPr sz="2000"/>
-            </a:lvl9pPr>
-          </a:lstStyle>
-          <a:p>
-            <a:pPr lvl="0"/>
-            <a:r>
-              <a:rPr lang="en-US" smtClean="0"/>
-              <a:t>Click to edit Master text styles</a:t>
-            </a:r>
-          </a:p>
-          <a:p>
-            <a:pPr lvl="1"/>
-            <a:r>
-              <a:rPr lang="en-US" smtClean="0"/>
-              <a:t>Second level</a:t>
-            </a:r>
-          </a:p>
-          <a:p>
-            <a:pPr lvl="2"/>
-            <a:r>
-              <a:rPr lang="en-US" smtClean="0"/>
-              <a:t>Third level</a:t>
-            </a:r>
-          </a:p>
-          <a:p>
-            <a:pPr lvl="3"/>
-            <a:r>
-              <a:rPr lang="en-US" smtClean="0"/>
-              <a:t>Fourth level</a:t>
-            </a:r>
-          </a:p>
-          <a:p>
-            <a:pPr lvl="4"/>
-            <a:r>
-              <a:rPr lang="en-US" smtClean="0"/>
-              <a:t>Fifth level</a:t>
-            </a:r>
-            <a:endParaRPr lang="en-US"/>
-          </a:p>
-        </p:txBody>
-      </p:sp>
-      <p:sp>
-        <p:nvSpPr>
-          <p:cNvPr id="4" name="Text Placeholder 3"/>
-          <p:cNvSpPr>
-            <a:spLocks noGrp="1"/>
-          </p:cNvSpPr>
-          <p:nvPr>
-            <p:ph type="body" sz="half" idx="2"/>
-          </p:nvPr>
-        </p:nvSpPr>
-        <p:spPr>
-          <a:xfrm>
-            <a:off x="457200" y="1435100"/>
-            <a:ext cx="3008313" cy="4691063"/>
-          </a:xfrm>
-          <a:prstGeom prst="rect">
-            <a:avLst/>
-          </a:prstGeom>
-        </p:spPr>
-        <p:txBody>
-          <a:bodyPr vert="horz"/>
-          <a:lstStyle>
-            <a:lvl1pPr marL="0" indent="0">
-              <a:buNone/>
-              <a:defRPr sz="1400"/>
-            </a:lvl1pPr>
-            <a:lvl2pPr marL="457200" indent="0">
-              <a:buNone/>
-              <a:defRPr sz="1200"/>
-            </a:lvl2pPr>
-            <a:lvl3pPr marL="914400" indent="0">
-              <a:buNone/>
-              <a:defRPr sz="1000"/>
-            </a:lvl3pPr>
-            <a:lvl4pPr marL="1371600" indent="0">
-              <a:buNone/>
-              <a:defRPr sz="900"/>
-            </a:lvl4pPr>
-            <a:lvl5pPr marL="1828800" indent="0">
-              <a:buNone/>
-              <a:defRPr sz="900"/>
-            </a:lvl5pPr>
-            <a:lvl6pPr marL="2286000" indent="0">
-              <a:buNone/>
-              <a:defRPr sz="900"/>
-            </a:lvl6pPr>
-            <a:lvl7pPr marL="2743200" indent="0">
-              <a:buNone/>
-              <a:defRPr sz="900"/>
-            </a:lvl7pPr>
-            <a:lvl8pPr marL="3200400" indent="0">
-              <a:buNone/>
-              <a:defRPr sz="900"/>
-            </a:lvl8pPr>
-            <a:lvl9pPr marL="3657600" indent="0">
-              <a:buNone/>
-              <a:defRPr sz="900"/>
-            </a:lvl9pPr>
-          </a:lstStyle>
-          <a:p>
-            <a:pPr lvl="0"/>
-            <a:r>
-              <a:rPr lang="en-US" smtClean="0"/>
-              <a:t>Click to edit Master text styles</a:t>
-            </a:r>
-          </a:p>
-        </p:txBody>
-      </p:sp>
-      <p:sp>
-        <p:nvSpPr>
-          <p:cNvPr id="5" name="Text Box 1"/>
-          <p:cNvSpPr txBox="1">
-            <a:spLocks noGrp="1" noChangeArrowheads="1"/>
-          </p:cNvSpPr>
-          <p:nvPr>
-            <p:ph type="sldNum" sz="quarter" idx="10"/>
-          </p:nvPr>
-        </p:nvSpPr>
-        <p:spPr/>
-        <p:txBody>
-          <a:bodyPr/>
-          <a:lstStyle>
-            <a:lvl1pPr>
-              <a:defRPr>
-                <a:latin typeface="Comic Sans MS" pitchFamily="-112" charset="0"/>
-                <a:ea typeface="Comic Sans MS" pitchFamily="-112" charset="0"/>
-                <a:cs typeface="Comic Sans MS" pitchFamily="-112" charset="0"/>
-                <a:sym typeface="Comic Sans MS" pitchFamily="-112" charset="0"/>
-              </a:defRPr>
-            </a:lvl1pPr>
-          </a:lstStyle>
-          <a:p>
-            <a:pPr>
-              <a:defRPr/>
-            </a:pPr>
-            <a:r>
-              <a:rPr lang="en-US"/>
-              <a:t>lec 5W.</a:t>
-            </a:r>
-            <a:fld id="{F80CC9E6-B2D7-1045-BBA8-6F415C8AEFA1}" type="slidenum">
-              <a:rPr lang="en-US"/>
-              <a:pPr>
-                <a:defRPr/>
-              </a:pPr>
-              <a:t>‹#›</a:t>
-            </a:fld>
-            <a:endParaRPr lang="en-US"/>
-          </a:p>
-        </p:txBody>
-      </p:sp>
-    </p:spTree>
-  </p:cSld>
-  <p:clrMapOvr>
-    <a:masterClrMapping/>
-  </p:clrMapOvr>
-  <p:transition xmlns:p14="http://schemas.microsoft.com/office/powerpoint/2010/main"/>
-</p:sldLayout>
-</file>
-
-<file path=ppt/slideLayouts/slideLayout9.xml><?xml version="1.0" encoding="utf-8"?>
+<file path=ppt/slideLayouts/slideLayout6.xml><?xml version="1.0" encoding="utf-8"?>
 <p:sldLayout xmlns:a="http://schemas.openxmlformats.org/drawingml/2006/main" xmlns:r="http://schemas.openxmlformats.org/officeDocument/2006/relationships" xmlns:p="http://schemas.openxmlformats.org/presentationml/2006/main" type="picTx" preserve="1">
   <p:cSld name="Picture with Caption">
     <p:spTree>
@@ -4029,17 +3106,26 @@
             </a:lvl1pPr>
           </a:lstStyle>
           <a:p>
+            <a:pPr>
+              <a:defRPr/>
+            </a:pPr>
             <a:r>
               <a:rPr lang="en-US" dirty="0" err="1"/>
               <a:t>lec</a:t>
             </a:r>
             <a:r>
               <a:rPr lang="en-US" dirty="0"/>
-              <a:t> 5F.</a:t>
-            </a:r>
-            <a:fld id="{341B451B-49FA-5843-A5DB-DAD672474E93}" type="slidenum">
+              <a:t> </a:t>
+            </a:r>
+            <a:r>
+              <a:rPr lang="en-US" dirty="0" smtClean="0"/>
+              <a:t>4F.</a:t>
+            </a:r>
+            <a:fld id="{3C521633-4FF6-CE43-A67F-E11AB1D27631}" type="slidenum">
               <a:rPr lang="en-US"/>
-              <a:pPr/>
+              <a:pPr>
+                <a:defRPr/>
+              </a:pPr>
               <a:t>‹#›</a:t>
             </a:fld>
             <a:endParaRPr lang="en-US" dirty="0"/>
@@ -4090,8 +3176,8 @@
         </p:nvSpPr>
         <p:spPr>
           <a:xfrm>
-            <a:off x="3175000" y="6553200"/>
-            <a:ext cx="2489200" cy="304800"/>
+            <a:off x="2959100" y="6553200"/>
+            <a:ext cx="3225800" cy="304800"/>
           </a:xfrm>
           <a:prstGeom prst="rect">
             <a:avLst/>
@@ -4233,21 +3319,21 @@
                 <a:latin typeface="Comic Sans MS" pitchFamily="66" charset="0"/>
                 <a:sym typeface="Gill Sans" pitchFamily="-112" charset="0"/>
               </a:rPr>
-              <a:t>Albert R Meyer, March</a:t>
+              <a:t>Albert R Meyer</a:t>
             </a:r>
             <a:r>
               <a:rPr lang="en-US" sz="1200" baseline="0" dirty="0" smtClean="0">
                 <a:latin typeface="Comic Sans MS" pitchFamily="66" charset="0"/>
                 <a:sym typeface="Gill Sans" pitchFamily="-112" charset="0"/>
               </a:rPr>
-              <a:t> 5</a:t>
+              <a:t>     </a:t>
             </a:r>
             <a:r>
               <a:rPr lang="en-US" sz="1200" dirty="0" smtClean="0">
                 <a:latin typeface="Comic Sans MS" pitchFamily="66" charset="0"/>
                 <a:sym typeface="Gill Sans" pitchFamily="-112" charset="0"/>
               </a:rPr>
-              <a:t>, 2010</a:t>
+              <a:t>     February 27, 2012</a:t>
             </a:r>
             <a:endParaRPr lang="en-US" sz="1200" dirty="0">
               <a:latin typeface="Comic Sans MS" pitchFamily="66" charset="0"/>
@@ -4265,7 +3351,7 @@
           <p:nvPr userDrawn="1"/>
         </p:nvPicPr>
         <p:blipFill>
-          <a:blip r:embed="rId11"/>
+          <a:blip r:embed="rId8"/>
           <a:srcRect/>
           <a:stretch>
             <a:fillRect/>
@@ -4327,40 +3413,78 @@
                 <a:solidFill>
                   <a:schemeClr val="tx1"/>
                 </a:solidFill>
-                <a:latin typeface="Comic Sans MS" pitchFamily="-107" charset="0"/>
-                <a:ea typeface="Comic Sans MS" pitchFamily="-107" charset="0"/>
-                <a:cs typeface="Comic Sans MS" pitchFamily="-107" charset="0"/>
-                <a:sym typeface="Comic Sans MS" pitchFamily="-107" charset="0"/>
+                <a:latin typeface="Comic Sans MS" pitchFamily="-112" charset="0"/>
+                <a:ea typeface="Comic Sans MS" pitchFamily="-112" charset="0"/>
+                <a:cs typeface="Comic Sans MS" pitchFamily="-112" charset="0"/>
+                <a:sym typeface="Comic Sans MS" pitchFamily="-112" charset="0"/>
               </a:defRPr>
             </a:lvl1pPr>
           </a:lstStyle>
           <a:p>
-            <a:r>
+            <a:pPr>
+              <a:defRPr/>
+            </a:pPr>
+            <a:r>
+              <a:rPr lang="en-US" dirty="0" err="1"/>
+              <a:t>lec</a:t>
+            </a:r>
+            <a:r>
+              <a:rPr lang="en-US" dirty="0" smtClean="0"/>
+              <a:t> 4M.</a:t>
+            </a:r>
+            <a:fld id="{40C4958A-EB25-BC44-B808-D88D19988EC9}" type="slidenum">
               <a:rPr lang="en-US"/>
-              <a:t>lec 5F.</a:t>
-            </a:r>
-            <a:fld id="{763EF84A-55D0-CF4B-B4C7-6023CED2F635}" type="slidenum">
-              <a:rPr lang="en-US"/>
-              <a:pPr/>
+              <a:pPr>
+                <a:defRPr/>
+              </a:pPr>
               <a:t>‹#›</a:t>
             </a:fld>
-            <a:endParaRPr lang="en-US"/>
+            <a:endParaRPr lang="en-US" dirty="0"/>
           </a:p>
         </p:txBody>
       </p:sp>
+      <p:pic>
+        <p:nvPicPr>
+          <p:cNvPr id="7" name="Picture 12" descr="board"/>
+          <p:cNvPicPr>
+            <a:picLocks noChangeAspect="1" noChangeArrowheads="1"/>
+          </p:cNvPicPr>
+          <p:nvPr userDrawn="1"/>
+        </p:nvPicPr>
+        <p:blipFill>
+          <a:blip r:embed="rId9" cstate="print"/>
+          <a:srcRect/>
+          <a:stretch>
+            <a:fillRect/>
+          </a:stretch>
+        </p:blipFill>
+        <p:spPr bwMode="auto">
+          <a:xfrm>
+            <a:off x="152400" y="304800"/>
+            <a:ext cx="1143000" cy="1135063"/>
+          </a:xfrm>
+          <a:prstGeom prst="rect">
+            <a:avLst/>
+          </a:prstGeom>
+          <a:noFill/>
+          <a:ln w="9525">
+            <a:noFill/>
+            <a:miter lim="800000"/>
+            <a:headEnd/>
+            <a:tailEnd/>
+          </a:ln>
+        </p:spPr>
+      </p:pic>
     </p:spTree>
   </p:cSld>
   <p:clrMap bg1="lt1" tx1="dk1" bg2="lt2" tx2="dk2" accent1="accent1" accent2="accent2" accent3="accent3" accent4="accent4" accent5="accent5" accent6="accent6" hlink="hlink" folHlink="folHlink"/>
   <p:sldLayoutIdLst>
-    <p:sldLayoutId id="2147483662" r:id="rId1"/>
-    <p:sldLayoutId id="2147483663" r:id="rId2"/>
-    <p:sldLayoutId id="2147483667" r:id="rId3"/>
-    <p:sldLayoutId id="2147483668" r:id="rId4"/>
-    <p:sldLayoutId id="2147483669" r:id="rId5"/>
-    <p:sldLayoutId id="2147483664" r:id="rId6"/>
-    <p:sldLayoutId id="2147483665" r:id="rId7"/>
-    <p:sldLayoutId id="2147483670" r:id="rId8"/>
-    <p:sldLayoutId id="2147483666" r:id="rId9"/>
+    <p:sldLayoutId id="2147483649" r:id="rId1"/>
+    <p:sldLayoutId id="2147483650" r:id="rId2"/>
+    <p:sldLayoutId id="2147483651" r:id="rId3"/>
+    <p:sldLayoutId id="2147483654" r:id="rId4"/>
+    <p:sldLayoutId id="2147483655" r:id="rId5"/>
+    <p:sldLayoutId id="2147483657" r:id="rId6"/>
   </p:sldLayoutIdLst>
   <p:transition xmlns:p14="http://schemas.microsoft.com/office/powerpoint/2010/main"/>
   <p:timing>
@@ -4798,18 +3922,25 @@
           <a:chExt cx="0" cy="0"/>
         </a:xfrm>
       </p:grpSpPr>
-      <p:sp>
-        <p:nvSpPr>
-          <p:cNvPr id="13314" name="Text Box 2"/>
-          <p:cNvSpPr txBox="1">
-            <a:spLocks noChangeArrowheads="1"/>
-          </p:cNvSpPr>
+      <p:pic>
+        <p:nvPicPr>
+          <p:cNvPr id="13314" name="Picture 1"/>
+          <p:cNvPicPr>
+            <a:picLocks noChangeAspect="1" noChangeArrowheads="1"/>
+          </p:cNvPicPr>
           <p:nvPr/>
-        </p:nvSpPr>
+        </p:nvPicPr>
+        <p:blipFill>
+          <a:blip r:embed="rId3"/>
+          <a:srcRect/>
+          <a:stretch>
+            <a:fillRect/>
+          </a:stretch>
+        </p:blipFill>
         <p:spPr bwMode="auto">
           <a:xfrm>
-            <a:off x="1465263" y="381000"/>
-            <a:ext cx="6315075" cy="1077913"/>
+            <a:off x="304800" y="152400"/>
+            <a:ext cx="762000" cy="754063"/>
           </a:xfrm>
           <a:prstGeom prst="rect">
             <a:avLst/>
@@ -4819,86 +3950,22 @@
             <a:noFill/>
             <a:miter lim="800000"/>
             <a:headEnd/>
-            <a:tailEnd type="none" w="lg" len="lg"/>
+            <a:tailEnd/>
           </a:ln>
         </p:spPr>
-        <p:txBody>
-          <a:bodyPr wrap="none">
-            <a:prstTxWarp prst="textNoShape">
-              <a:avLst/>
-            </a:prstTxWarp>
-            <a:spAutoFit/>
-          </a:bodyPr>
-          <a:lstStyle/>
-          <a:p>
-            <a:r>
-              <a:rPr lang="en-US" sz="2800" b="1" i="1">
-                <a:solidFill>
-                  <a:schemeClr val="tx2"/>
-                </a:solidFill>
-                <a:latin typeface="Comic Sans MS" pitchFamily="-107" charset="0"/>
-              </a:rPr>
-              <a:t>Mathematics for Computer Science</a:t>
-            </a:r>
-            <a:r>
-              <a:rPr lang="en-US" sz="3600" b="1" i="1">
-                <a:solidFill>
-                  <a:schemeClr val="tx2"/>
-                </a:solidFill>
-                <a:latin typeface="Comic Sans MS" pitchFamily="-107" charset="0"/>
-              </a:rPr>
-              <a:t/>
-            </a:r>
-            <a:br>
-              <a:rPr lang="en-US" sz="3600" b="1" i="1">
-                <a:solidFill>
-                  <a:schemeClr val="tx2"/>
-                </a:solidFill>
-                <a:latin typeface="Comic Sans MS" pitchFamily="-107" charset="0"/>
-              </a:rPr>
-            </a:br>
-            <a:r>
-              <a:rPr lang="en-US" sz="2400" b="1">
-                <a:solidFill>
-                  <a:srgbClr val="008000"/>
-                </a:solidFill>
-                <a:latin typeface="Comic Sans MS" pitchFamily="-107" charset="0"/>
-              </a:rPr>
-              <a:t>MIT</a:t>
-            </a:r>
-            <a:r>
-              <a:rPr lang="en-US" sz="3600" b="1" i="1">
-                <a:solidFill>
-                  <a:schemeClr val="tx2"/>
-                </a:solidFill>
-                <a:latin typeface="Comic Sans MS" pitchFamily="-107" charset="0"/>
-              </a:rPr>
-              <a:t> </a:t>
-            </a:r>
-            <a:r>
-              <a:rPr lang="en-US" sz="2400" b="1">
-                <a:solidFill>
-                  <a:srgbClr val="008000"/>
-                </a:solidFill>
-                <a:latin typeface="Comic Sans MS" pitchFamily="-107" charset="0"/>
-              </a:rPr>
-              <a:t>6.042J/18.062J</a:t>
-            </a:r>
-          </a:p>
-        </p:txBody>
-      </p:sp>
+      </p:pic>
       <p:sp>
         <p:nvSpPr>
-          <p:cNvPr id="13315" name="Rectangle 3"/>
+          <p:cNvPr id="13315" name="Rectangle 4"/>
           <p:cNvSpPr>
-            <a:spLocks noChangeArrowheads="1"/>
+            <a:spLocks/>
           </p:cNvSpPr>
           <p:nvPr/>
         </p:nvSpPr>
         <p:spPr bwMode="auto">
           <a:xfrm>
-            <a:off x="509588" y="2128838"/>
-            <a:ext cx="8148637" cy="2600325"/>
+            <a:off x="1352550" y="381000"/>
+            <a:ext cx="6448425" cy="1346200"/>
           </a:xfrm>
           <a:prstGeom prst="rect">
             <a:avLst/>
@@ -4912,7 +3979,114 @@
           </a:ln>
         </p:spPr>
         <p:txBody>
-          <a:bodyPr anchor="ctr">
+          <a:bodyPr wrap="none" lIns="38100" tIns="38100" rIns="38100" bIns="38100">
+            <a:prstTxWarp prst="textNoShape">
+              <a:avLst/>
+            </a:prstTxWarp>
+            <a:spAutoFit/>
+          </a:bodyPr>
+          <a:lstStyle/>
+          <a:p>
+            <a:r>
+              <a:rPr lang="en-US" sz="2800" b="1" dirty="0">
+                <a:solidFill>
+                  <a:schemeClr val="tx1"/>
+                </a:solidFill>
+                <a:latin typeface="Comic Sans MS" pitchFamily="-107" charset="0"/>
+                <a:ea typeface="Comic Sans MS" pitchFamily="-107" charset="0"/>
+                <a:cs typeface="Comic Sans MS" pitchFamily="-107" charset="0"/>
+                <a:sym typeface="Comic Sans MS" pitchFamily="-107" charset="0"/>
+              </a:rPr>
+              <a:t>Mathematics for Computer Science</a:t>
+            </a:r>
+            <a:r>
+              <a:rPr lang="en-US" sz="3600" b="1" dirty="0">
+                <a:solidFill>
+                  <a:schemeClr val="tx1"/>
+                </a:solidFill>
+                <a:latin typeface="Comic Sans MS" pitchFamily="-107" charset="0"/>
+                <a:ea typeface="ヒラギノ明朝 ProN W6" pitchFamily="-107" charset="-128"/>
+                <a:cs typeface="ヒラギノ明朝 ProN W6" pitchFamily="-107" charset="-128"/>
+                <a:sym typeface="Comic Sans MS" pitchFamily="-107" charset="0"/>
+              </a:rPr>
+              <a:t/>
+            </a:r>
+            <a:br>
+              <a:rPr lang="en-US" sz="3600" b="1" dirty="0">
+                <a:solidFill>
+                  <a:schemeClr val="tx1"/>
+                </a:solidFill>
+                <a:latin typeface="Comic Sans MS" pitchFamily="-107" charset="0"/>
+                <a:ea typeface="ヒラギノ明朝 ProN W6" pitchFamily="-107" charset="-128"/>
+                <a:cs typeface="ヒラギノ明朝 ProN W6" pitchFamily="-107" charset="-128"/>
+                <a:sym typeface="Comic Sans MS" pitchFamily="-107" charset="0"/>
+              </a:rPr>
+            </a:br>
+            <a:r>
+              <a:rPr lang="en-US" sz="2400" b="1" dirty="0">
+                <a:solidFill>
+                  <a:srgbClr val="008000"/>
+                </a:solidFill>
+                <a:latin typeface="Comic Sans MS" pitchFamily="-107" charset="0"/>
+                <a:ea typeface="Comic Sans MS" pitchFamily="-107" charset="0"/>
+                <a:cs typeface="Comic Sans MS" pitchFamily="-107" charset="0"/>
+                <a:sym typeface="Comic Sans MS" pitchFamily="-107" charset="0"/>
+              </a:rPr>
+              <a:t>MIT</a:t>
+            </a:r>
+            <a:r>
+              <a:rPr lang="en-US" sz="3600" b="1" dirty="0">
+                <a:solidFill>
+                  <a:schemeClr val="tx1"/>
+                </a:solidFill>
+                <a:latin typeface="Comic Sans MS" pitchFamily="-107" charset="0"/>
+                <a:ea typeface="Comic Sans MS" pitchFamily="-107" charset="0"/>
+                <a:cs typeface="Comic Sans MS" pitchFamily="-107" charset="0"/>
+                <a:sym typeface="Comic Sans MS" pitchFamily="-107" charset="0"/>
+              </a:rPr>
+              <a:t> </a:t>
+            </a:r>
+            <a:r>
+              <a:rPr lang="en-US" sz="2400" b="1" dirty="0">
+                <a:solidFill>
+                  <a:srgbClr val="008000"/>
+                </a:solidFill>
+                <a:latin typeface="Comic Sans MS" pitchFamily="-107" charset="0"/>
+                <a:ea typeface="Comic Sans MS" pitchFamily="-107" charset="0"/>
+                <a:cs typeface="Comic Sans MS" pitchFamily="-107" charset="0"/>
+                <a:sym typeface="Comic Sans MS" pitchFamily="-107" charset="0"/>
+              </a:rPr>
+              <a:t>6.042J/18.062J</a:t>
+            </a:r>
+          </a:p>
+        </p:txBody>
+      </p:sp>
+      <p:sp>
+        <p:nvSpPr>
+          <p:cNvPr id="13316" name="Rectangle 5"/>
+          <p:cNvSpPr>
+            <a:spLocks/>
+          </p:cNvSpPr>
+          <p:nvPr/>
+        </p:nvSpPr>
+        <p:spPr bwMode="auto">
+          <a:xfrm>
+            <a:off x="533400" y="1828800"/>
+            <a:ext cx="8153400" cy="3200400"/>
+          </a:xfrm>
+          <a:prstGeom prst="rect">
+            <a:avLst/>
+          </a:prstGeom>
+          <a:noFill/>
+          <a:ln w="9525">
+            <a:noFill/>
+            <a:miter lim="800000"/>
+            <a:headEnd/>
+            <a:tailEnd/>
+          </a:ln>
+        </p:spPr>
+        <p:txBody>
+          <a:bodyPr lIns="38100" tIns="38100" rIns="38100" bIns="38100" anchor="ctr">
             <a:prstTxWarp prst="textNoShape">
               <a:avLst/>
             </a:prstTxWarp>
@@ -4920,37 +4094,46 @@
           <a:lstStyle/>
           <a:p>
             <a:r>
-              <a:rPr lang="en-US" sz="6600" b="1">
+              <a:rPr lang="en-US" sz="8800" b="1" dirty="0" smtClean="0">
                 <a:solidFill>
-                  <a:schemeClr val="tx2"/>
+                  <a:schemeClr val="tx1"/>
                 </a:solidFill>
                 <a:latin typeface="Comic Sans MS" pitchFamily="-107" charset="0"/>
-              </a:rPr>
-              <a:t>State Machines:</a:t>
-            </a:r>
-            <a:br>
-              <a:rPr lang="en-US" sz="6600" b="1">
+                <a:ea typeface="Comic Sans MS" pitchFamily="-107" charset="0"/>
+                <a:cs typeface="Comic Sans MS" pitchFamily="-107" charset="0"/>
+                <a:sym typeface="Comic Sans MS" pitchFamily="-107" charset="0"/>
+              </a:rPr>
+              <a:t>Derived</a:t>
+            </a:r>
+          </a:p>
+          <a:p>
+            <a:r>
+              <a:rPr lang="en-US" sz="8800" b="1" dirty="0" smtClean="0">
                 <a:solidFill>
-                  <a:schemeClr val="tx2"/>
+                  <a:schemeClr val="tx1"/>
                 </a:solidFill>
                 <a:latin typeface="Comic Sans MS" pitchFamily="-107" charset="0"/>
-              </a:rPr>
-            </a:br>
-            <a:r>
-              <a:rPr lang="en-US" sz="6600" b="1">
-                <a:solidFill>
-                  <a:schemeClr val="tx2"/>
-                </a:solidFill>
-                <a:latin typeface="Comic Sans MS" pitchFamily="-107" charset="0"/>
-              </a:rPr>
-              <a:t>Derived Variables</a:t>
-            </a:r>
+                <a:ea typeface="Comic Sans MS" pitchFamily="-107" charset="0"/>
+                <a:cs typeface="Comic Sans MS" pitchFamily="-107" charset="0"/>
+                <a:sym typeface="Comic Sans MS" pitchFamily="-107" charset="0"/>
+              </a:rPr>
+              <a:t>Variables</a:t>
+            </a:r>
+            <a:endParaRPr lang="en-US" sz="8800" b="1" dirty="0">
+              <a:solidFill>
+                <a:schemeClr val="tx1"/>
+              </a:solidFill>
+              <a:latin typeface="Comic Sans MS" pitchFamily="-107" charset="0"/>
+              <a:ea typeface="Comic Sans MS" pitchFamily="-107" charset="0"/>
+              <a:cs typeface="Comic Sans MS" pitchFamily="-107" charset="0"/>
+              <a:sym typeface="Comic Sans MS" pitchFamily="-107" charset="0"/>
+            </a:endParaRPr>
           </a:p>
         </p:txBody>
       </p:sp>
       <p:sp>
         <p:nvSpPr>
-          <p:cNvPr id="13316" name="Rectangle 11"/>
+          <p:cNvPr id="13317" name="Text Box 1"/>
           <p:cNvSpPr>
             <a:spLocks noGrp="1" noChangeArrowheads="1"/>
           </p:cNvSpPr>
@@ -4966,19 +4149,57 @@
           <a:lstStyle/>
           <a:p>
             <a:r>
-              <a:rPr lang="en-US" smtClean="0"/>
-              <a:t>lec 5F.</a:t>
-            </a:r>
-            <a:fld id="{C5B0119B-6379-D849-BB84-C5CD70FBAA96}" type="slidenum">
-              <a:rPr lang="en-US" smtClean="0"/>
+              <a:rPr lang="en-US" dirty="0" err="1">
+                <a:latin typeface="Comic Sans MS" pitchFamily="-107" charset="0"/>
+                <a:ea typeface="Comic Sans MS" pitchFamily="-107" charset="0"/>
+                <a:cs typeface="Comic Sans MS" pitchFamily="-107" charset="0"/>
+                <a:sym typeface="Comic Sans MS" pitchFamily="-107" charset="0"/>
+              </a:rPr>
+              <a:t>lec</a:t>
+            </a:r>
+            <a:r>
+              <a:rPr lang="en-US" dirty="0">
+                <a:latin typeface="Comic Sans MS" pitchFamily="-107" charset="0"/>
+                <a:ea typeface="Comic Sans MS" pitchFamily="-107" charset="0"/>
+                <a:cs typeface="Comic Sans MS" pitchFamily="-107" charset="0"/>
+                <a:sym typeface="Comic Sans MS" pitchFamily="-107" charset="0"/>
+              </a:rPr>
+              <a:t> </a:t>
+            </a:r>
+            <a:r>
+              <a:rPr lang="en-US" dirty="0" smtClean="0">
+                <a:latin typeface="Comic Sans MS" pitchFamily="-107" charset="0"/>
+                <a:ea typeface="Comic Sans MS" pitchFamily="-107" charset="0"/>
+                <a:cs typeface="Comic Sans MS" pitchFamily="-107" charset="0"/>
+                <a:sym typeface="Comic Sans MS" pitchFamily="-107" charset="0"/>
+              </a:rPr>
+              <a:t>4F.</a:t>
+            </a:r>
+            <a:fld id="{0DC657CC-BEE2-AD4E-AA36-85810F69D06F}" type="slidenum">
+              <a:rPr lang="en-US">
+                <a:latin typeface="Comic Sans MS" pitchFamily="-107" charset="0"/>
+                <a:ea typeface="Comic Sans MS" pitchFamily="-107" charset="0"/>
+                <a:cs typeface="Comic Sans MS" pitchFamily="-107" charset="0"/>
+                <a:sym typeface="Comic Sans MS" pitchFamily="-107" charset="0"/>
+              </a:rPr>
               <a:pPr/>
               <a:t>1</a:t>
             </a:fld>
-            <a:endParaRPr lang="en-US" smtClean="0"/>
+            <a:endParaRPr lang="en-US" dirty="0">
+              <a:latin typeface="Comic Sans MS" pitchFamily="-107" charset="0"/>
+              <a:ea typeface="Comic Sans MS" pitchFamily="-107" charset="0"/>
+              <a:cs typeface="Comic Sans MS" pitchFamily="-107" charset="0"/>
+              <a:sym typeface="Comic Sans MS" pitchFamily="-107" charset="0"/>
+            </a:endParaRPr>
           </a:p>
         </p:txBody>
       </p:sp>
     </p:spTree>
+    <p:extLst>
+      <p:ext uri="{BB962C8B-B14F-4D97-AF65-F5344CB8AC3E}">
+        <p14:creationId xmlns:p14="http://schemas.microsoft.com/office/powerpoint/2010/main" val="2533886204"/>
+      </p:ext>
+    </p:extLst>
   </p:cSld>
   <p:clrMapOvr>
     <a:masterClrMapping/>
@@ -5061,7 +4282,7 @@
         </p:nvSpPr>
         <p:spPr>
           <a:xfrm>
-            <a:off x="168275" y="969963"/>
+            <a:off x="168275" y="1247775"/>
             <a:ext cx="8796338" cy="5305425"/>
           </a:xfrm>
         </p:spPr>
@@ -5299,10 +4520,27 @@
         </p:txBody>
       </p:sp>
     </p:spTree>
+    <p:extLst>
+      <p:ext uri="{BB962C8B-B14F-4D97-AF65-F5344CB8AC3E}">
+        <p14:creationId xmlns:p14="http://schemas.microsoft.com/office/powerpoint/2010/main" val="339107111"/>
+      </p:ext>
+    </p:extLst>
   </p:cSld>
   <p:clrMapOvr>
     <a:masterClrMapping/>
   </p:clrMapOvr>
+  <mc:AlternateContent xmlns:mc="http://schemas.openxmlformats.org/markup-compatibility/2006" xmlns:p14="http://schemas.microsoft.com/office/powerpoint/2010/main">
+    <mc:Choice Requires="p14">
+      <p:transition spd="med" p14:dur="700">
+        <p:fade/>
+      </p:transition>
+    </mc:Choice>
+    <mc:Fallback xmlns="">
+      <p:transition xmlns:p14="http://schemas.microsoft.com/office/powerpoint/2010/main" spd="med">
+        <p:fade/>
+      </p:transition>
+    </mc:Fallback>
+  </mc:AlternateContent>
   <p:timing>
     <p:tnLst>
       <p:par>
@@ -5315,6 +4553,9 @@
                     <p:cTn id="3" fill="hold">
                       <p:stCondLst>
                         <p:cond delay="indefinite"/>
+                        <p:cond evt="onBegin" delay="0">
+                          <p:tn val="2"/>
+                        </p:cond>
                       </p:stCondLst>
                       <p:childTnLst>
                         <p:par>
@@ -5324,7 +4565,7 @@
                             </p:stCondLst>
                             <p:childTnLst>
                               <p:par>
-                                <p:cTn id="5" presetID="1" presetClass="entr" presetSubtype="0" fill="hold" grpId="0" nodeType="clickEffect">
+                                <p:cTn id="5" presetID="9" presetClass="entr" presetSubtype="0" fill="hold" grpId="0" nodeType="afterEffect">
                                   <p:stCondLst>
                                     <p:cond delay="0"/>
                                   </p:stCondLst>
@@ -5332,55 +4573,6 @@
                                     <p:set>
                                       <p:cBhvr>
                                         <p:cTn id="6" dur="1" fill="hold">
-                                          <p:stCondLst>
-                                            <p:cond delay="0"/>
-                                          </p:stCondLst>
-                                        </p:cTn>
-                                        <p:tgtEl>
-                                          <p:spTgt spid="718851">
-                                            <p:txEl>
-                                              <p:pRg st="0" end="0"/>
-                                            </p:txEl>
-                                          </p:spTgt>
-                                        </p:tgtEl>
-                                        <p:attrNameLst>
-                                          <p:attrName>style.visibility</p:attrName>
-                                        </p:attrNameLst>
-                                      </p:cBhvr>
-                                      <p:to>
-                                        <p:strVal val="visible"/>
-                                      </p:to>
-                                    </p:set>
-                                  </p:childTnLst>
-                                </p:cTn>
-                              </p:par>
-                            </p:childTnLst>
-                          </p:cTn>
-                        </p:par>
-                      </p:childTnLst>
-                    </p:cTn>
-                  </p:par>
-                  <p:par>
-                    <p:cTn id="7" fill="hold">
-                      <p:stCondLst>
-                        <p:cond delay="indefinite"/>
-                      </p:stCondLst>
-                      <p:childTnLst>
-                        <p:par>
-                          <p:cTn id="8" fill="hold">
-                            <p:stCondLst>
-                              <p:cond delay="0"/>
-                            </p:stCondLst>
-                            <p:childTnLst>
-                              <p:par>
-                                <p:cTn id="9" presetID="1" presetClass="entr" presetSubtype="0" fill="hold" grpId="0" nodeType="clickEffect">
-                                  <p:stCondLst>
-                                    <p:cond delay="0"/>
-                                  </p:stCondLst>
-                                  <p:childTnLst>
-                                    <p:set>
-                                      <p:cBhvr>
-                                        <p:cTn id="10" dur="1" fill="hold">
                                           <p:stCondLst>
                                             <p:cond delay="0"/>
                                           </p:stCondLst>
@@ -5400,18 +4592,39 @@
                                         <p:strVal val="visible"/>
                                       </p:to>
                                     </p:set>
+                                    <p:animEffect transition="in" filter="dissolve">
+                                      <p:cBhvr>
+                                        <p:cTn id="7" dur="500"/>
+                                        <p:tgtEl>
+                                          <p:spTgt spid="718851">
+                                            <p:txEl>
+                                              <p:pRg st="1" end="1"/>
+                                            </p:txEl>
+                                          </p:spTgt>
+                                        </p:tgtEl>
+                                      </p:cBhvr>
+                                    </p:animEffect>
                                   </p:childTnLst>
                                 </p:cTn>
                               </p:par>
+                            </p:childTnLst>
+                          </p:cTn>
+                        </p:par>
+                        <p:par>
+                          <p:cTn id="8" fill="hold">
+                            <p:stCondLst>
+                              <p:cond delay="500"/>
+                            </p:stCondLst>
+                            <p:childTnLst>
                               <p:par>
-                                <p:cTn id="11" presetID="1" presetClass="entr" presetSubtype="0" fill="hold" grpId="0" nodeType="withEffect">
+                                <p:cTn id="9" presetID="9" presetClass="entr" presetSubtype="0" fill="hold" grpId="0" nodeType="afterEffect">
                                   <p:stCondLst>
                                     <p:cond delay="0"/>
                                   </p:stCondLst>
                                   <p:childTnLst>
                                     <p:set>
                                       <p:cBhvr>
-                                        <p:cTn id="12" dur="1" fill="hold">
+                                        <p:cTn id="10" dur="1" fill="hold">
                                           <p:stCondLst>
                                             <p:cond delay="0"/>
                                           </p:stCondLst>
@@ -5431,6 +4644,18 @@
                                         <p:strVal val="visible"/>
                                       </p:to>
                                     </p:set>
+                                    <p:animEffect transition="in" filter="dissolve">
+                                      <p:cBhvr>
+                                        <p:cTn id="11" dur="500"/>
+                                        <p:tgtEl>
+                                          <p:spTgt spid="718851">
+                                            <p:txEl>
+                                              <p:pRg st="2" end="2"/>
+                                            </p:txEl>
+                                          </p:spTgt>
+                                        </p:tgtEl>
+                                      </p:cBhvr>
+                                    </p:animEffect>
                                   </p:childTnLst>
                                 </p:cTn>
                               </p:par>
@@ -5441,26 +4666,26 @@
                     </p:cTn>
                   </p:par>
                   <p:par>
-                    <p:cTn id="13" fill="hold">
+                    <p:cTn id="12" fill="hold">
                       <p:stCondLst>
                         <p:cond delay="indefinite"/>
                       </p:stCondLst>
                       <p:childTnLst>
                         <p:par>
-                          <p:cTn id="14" fill="hold">
+                          <p:cTn id="13" fill="hold">
                             <p:stCondLst>
                               <p:cond delay="0"/>
                             </p:stCondLst>
                             <p:childTnLst>
                               <p:par>
-                                <p:cTn id="15" presetID="1" presetClass="entr" presetSubtype="0" fill="hold" grpId="0" nodeType="clickEffect">
+                                <p:cTn id="14" presetID="9" presetClass="entr" presetSubtype="0" fill="hold" grpId="0" nodeType="clickEffect">
                                   <p:stCondLst>
                                     <p:cond delay="0"/>
                                   </p:stCondLst>
                                   <p:childTnLst>
                                     <p:set>
                                       <p:cBhvr>
-                                        <p:cTn id="16" dur="1" fill="hold">
+                                        <p:cTn id="15" dur="1" fill="hold">
                                           <p:stCondLst>
                                             <p:cond delay="0"/>
                                           </p:stCondLst>
@@ -5480,36 +4705,39 @@
                                         <p:strVal val="visible"/>
                                       </p:to>
                                     </p:set>
+                                    <p:animEffect transition="in" filter="dissolve">
+                                      <p:cBhvr>
+                                        <p:cTn id="16" dur="500"/>
+                                        <p:tgtEl>
+                                          <p:spTgt spid="718851">
+                                            <p:txEl>
+                                              <p:pRg st="3" end="3"/>
+                                            </p:txEl>
+                                          </p:spTgt>
+                                        </p:tgtEl>
+                                      </p:cBhvr>
+                                    </p:animEffect>
                                   </p:childTnLst>
                                 </p:cTn>
                               </p:par>
                             </p:childTnLst>
                           </p:cTn>
                         </p:par>
-                      </p:childTnLst>
-                    </p:cTn>
-                  </p:par>
-                  <p:par>
-                    <p:cTn id="17" fill="hold">
-                      <p:stCondLst>
-                        <p:cond delay="indefinite"/>
-                      </p:stCondLst>
-                      <p:childTnLst>
                         <p:par>
-                          <p:cTn id="18" fill="hold">
+                          <p:cTn id="17" fill="hold">
                             <p:stCondLst>
-                              <p:cond delay="0"/>
+                              <p:cond delay="500"/>
                             </p:stCondLst>
                             <p:childTnLst>
                               <p:par>
-                                <p:cTn id="19" presetID="1" presetClass="entr" presetSubtype="0" fill="hold" grpId="0" nodeType="clickEffect">
+                                <p:cTn id="18" presetID="9" presetClass="entr" presetSubtype="0" fill="hold" grpId="0" nodeType="afterEffect">
                                   <p:stCondLst>
                                     <p:cond delay="0"/>
                                   </p:stCondLst>
                                   <p:childTnLst>
                                     <p:set>
                                       <p:cBhvr>
-                                        <p:cTn id="20" dur="1" fill="hold">
+                                        <p:cTn id="19" dur="1" fill="hold">
                                           <p:stCondLst>
                                             <p:cond delay="0"/>
                                           </p:stCondLst>
@@ -5529,18 +4757,39 @@
                                         <p:strVal val="visible"/>
                                       </p:to>
                                     </p:set>
+                                    <p:animEffect transition="in" filter="dissolve">
+                                      <p:cBhvr>
+                                        <p:cTn id="20" dur="500"/>
+                                        <p:tgtEl>
+                                          <p:spTgt spid="718851">
+                                            <p:txEl>
+                                              <p:pRg st="4" end="4"/>
+                                            </p:txEl>
+                                          </p:spTgt>
+                                        </p:tgtEl>
+                                      </p:cBhvr>
+                                    </p:animEffect>
                                   </p:childTnLst>
                                 </p:cTn>
                               </p:par>
+                            </p:childTnLst>
+                          </p:cTn>
+                        </p:par>
+                        <p:par>
+                          <p:cTn id="21" fill="hold">
+                            <p:stCondLst>
+                              <p:cond delay="1000"/>
+                            </p:stCondLst>
+                            <p:childTnLst>
                               <p:par>
-                                <p:cTn id="21" presetID="1" presetClass="entr" presetSubtype="0" fill="hold" grpId="0" nodeType="withEffect">
+                                <p:cTn id="22" presetID="9" presetClass="entr" presetSubtype="0" fill="hold" grpId="0" nodeType="afterEffect">
                                   <p:stCondLst>
                                     <p:cond delay="0"/>
                                   </p:stCondLst>
                                   <p:childTnLst>
                                     <p:set>
                                       <p:cBhvr>
-                                        <p:cTn id="22" dur="1" fill="hold">
+                                        <p:cTn id="23" dur="1" fill="hold">
                                           <p:stCondLst>
                                             <p:cond delay="0"/>
                                           </p:stCondLst>
@@ -5560,6 +4809,18 @@
                                         <p:strVal val="visible"/>
                                       </p:to>
                                     </p:set>
+                                    <p:animEffect transition="in" filter="dissolve">
+                                      <p:cBhvr>
+                                        <p:cTn id="24" dur="500"/>
+                                        <p:tgtEl>
+                                          <p:spTgt spid="718851">
+                                            <p:txEl>
+                                              <p:pRg st="5" end="5"/>
+                                            </p:txEl>
+                                          </p:spTgt>
+                                        </p:tgtEl>
+                                      </p:cBhvr>
+                                    </p:animEffect>
                                   </p:childTnLst>
                                 </p:cTn>
                               </p:par>
@@ -5668,8 +4929,8 @@
         </p:nvSpPr>
         <p:spPr bwMode="auto">
           <a:xfrm>
-            <a:off x="420688" y="1241425"/>
-            <a:ext cx="8367712" cy="3382963"/>
+            <a:off x="573088" y="1493837"/>
+            <a:ext cx="8113712" cy="3916363"/>
           </a:xfrm>
           <a:noFill/>
           <a:ln>
@@ -5688,25 +4949,25 @@
           <a:p>
             <a:pPr eaLnBrk="1" hangingPunct="1"/>
             <a:r>
-              <a:rPr lang="en-US" sz="5400" smtClean="0"/>
+              <a:rPr lang="en-US" sz="5400" dirty="0" smtClean="0"/>
               <a:t>(We used to call weakly </a:t>
             </a:r>
           </a:p>
           <a:p>
             <a:pPr eaLnBrk="1" hangingPunct="1"/>
             <a:r>
-              <a:rPr lang="en-US" sz="5400" smtClean="0"/>
+              <a:rPr lang="en-US" sz="5400" dirty="0" smtClean="0"/>
               <a:t>  decreasing variables </a:t>
             </a:r>
           </a:p>
           <a:p>
             <a:pPr eaLnBrk="1" hangingPunct="1"/>
             <a:r>
-              <a:rPr lang="en-US" sz="5400" smtClean="0"/>
+              <a:rPr lang="en-US" sz="5400" dirty="0" smtClean="0"/>
               <a:t>  “</a:t>
             </a:r>
             <a:r>
-              <a:rPr lang="en-US" sz="5400" smtClean="0">
+              <a:rPr lang="en-US" sz="5400" dirty="0" err="1" smtClean="0">
                 <a:solidFill>
                   <a:srgbClr val="008000"/>
                 </a:solidFill>
@@ -5714,10 +4975,10 @@
               <a:t>nonincreasing</a:t>
             </a:r>
             <a:r>
-              <a:rPr lang="en-US" sz="5400" smtClean="0"/>
+              <a:rPr lang="en-US" sz="5400" dirty="0" smtClean="0"/>
               <a:t>” variables.)</a:t>
             </a:r>
-            <a:endParaRPr lang="en-US" sz="4800" smtClean="0"/>
+            <a:endParaRPr lang="en-US" sz="4800" dirty="0" smtClean="0"/>
           </a:p>
         </p:txBody>
       </p:sp>
@@ -5752,11 +5013,18 @@
         </p:txBody>
       </p:sp>
     </p:spTree>
+    <p:extLst>
+      <p:ext uri="{BB962C8B-B14F-4D97-AF65-F5344CB8AC3E}">
+        <p14:creationId xmlns:p14="http://schemas.microsoft.com/office/powerpoint/2010/main" val="2663074117"/>
+      </p:ext>
+    </p:extLst>
   </p:cSld>
   <p:clrMapOvr>
     <a:masterClrMapping/>
   </p:clrMapOvr>
-  <p:transition xmlns:p14="http://schemas.microsoft.com/office/powerpoint/2010/main"/>
+  <p:transition xmlns:p14="http://schemas.microsoft.com/office/powerpoint/2010/main" spd="slow">
+    <p:fade thruBlk="1"/>
+  </p:transition>
   <p:timing>
     <p:tnLst>
       <p:par>
@@ -5812,7 +5080,7 @@
           <a:p>
             <a:pPr eaLnBrk="1" hangingPunct="1"/>
             <a:r>
-              <a:rPr lang="en-US" smtClean="0">
+              <a:rPr lang="en-US" dirty="0" smtClean="0">
                 <a:solidFill>
                   <a:srgbClr val="008000"/>
                 </a:solidFill>
@@ -5820,7 +5088,7 @@
               <a:t>Weakly</a:t>
             </a:r>
             <a:r>
-              <a:rPr lang="en-US" smtClean="0"/>
+              <a:rPr lang="en-US" dirty="0" smtClean="0"/>
               <a:t> Decreasing Variable</a:t>
             </a:r>
           </a:p>
@@ -5836,8 +5104,8 @@
         </p:nvSpPr>
         <p:spPr bwMode="auto">
           <a:xfrm>
-            <a:off x="420688" y="1322388"/>
-            <a:ext cx="8137525" cy="2101850"/>
+            <a:off x="152400" y="1295400"/>
+            <a:ext cx="8405813" cy="2123658"/>
           </a:xfrm>
           <a:prstGeom prst="rect">
             <a:avLst/>
@@ -5851,7 +5119,7 @@
           </a:ln>
         </p:spPr>
         <p:txBody>
-          <a:bodyPr>
+          <a:bodyPr wrap="square">
             <a:prstTxWarp prst="textNoShape">
               <a:avLst/>
             </a:prstTxWarp>
@@ -5859,48 +5127,99 @@
           </a:bodyPr>
           <a:lstStyle/>
           <a:p>
-            <a:r>
-              <a:rPr lang="en-US" sz="4400"/>
+            <a:pPr algn="l"/>
+            <a:r>
+              <a:rPr lang="en-US" sz="4400" dirty="0">
+                <a:latin typeface="Comic Sans MS"/>
+                <a:cs typeface="Comic Sans MS"/>
+              </a:rPr>
               <a:t>OK terminology but remember:</a:t>
             </a:r>
           </a:p>
           <a:p>
-            <a:r>
-              <a:rPr lang="en-US" sz="4400">
+            <a:pPr algn="l"/>
+            <a:r>
+              <a:rPr lang="en-US" sz="4400" dirty="0" err="1">
                 <a:solidFill>
                   <a:srgbClr val="008000"/>
                 </a:solidFill>
+                <a:latin typeface="Comic Sans MS"/>
+                <a:cs typeface="Comic Sans MS"/>
               </a:rPr>
               <a:t>nonincreasing</a:t>
             </a:r>
             <a:r>
-              <a:rPr lang="en-US" sz="4400"/>
+              <a:rPr lang="en-US" sz="4400" dirty="0">
+                <a:latin typeface="Comic Sans MS"/>
+                <a:cs typeface="Comic Sans MS"/>
+              </a:rPr>
               <a:t> is</a:t>
             </a:r>
           </a:p>
           <a:p>
-            <a:r>
-              <a:rPr lang="en-US" sz="4400">
+            <a:pPr algn="l"/>
+            <a:r>
+              <a:rPr lang="en-US" sz="4400" dirty="0">
                 <a:solidFill>
-                  <a:schemeClr val="hlink"/>
+                  <a:srgbClr val="DA00DA"/>
                 </a:solidFill>
+                <a:latin typeface="Comic Sans MS"/>
+                <a:cs typeface="Comic Sans MS"/>
               </a:rPr>
               <a:t>NOT SAME</a:t>
             </a:r>
             <a:r>
-              <a:rPr lang="en-US" sz="4400"/>
+              <a:rPr lang="en-US" sz="4400" dirty="0">
+                <a:latin typeface="Comic Sans MS"/>
+                <a:cs typeface="Comic Sans MS"/>
+              </a:rPr>
               <a:t> as “</a:t>
             </a:r>
             <a:r>
-              <a:rPr lang="en-US" sz="4400">
+              <a:rPr lang="en-US" sz="4400" dirty="0">
+                <a:solidFill>
+                  <a:srgbClr val="0000FF"/>
+                </a:solidFill>
+                <a:latin typeface="Comic Sans MS"/>
+                <a:cs typeface="Comic Sans MS"/>
+              </a:rPr>
+              <a:t>not</a:t>
+            </a:r>
+            <a:r>
+              <a:rPr lang="en-US" sz="4400" dirty="0">
                 <a:solidFill>
                   <a:schemeClr val="accent2"/>
                 </a:solidFill>
-              </a:rPr>
-              <a:t>not increasing:</a:t>
-            </a:r>
-            <a:r>
-              <a:rPr lang="en-US" sz="4400"/>
+                <a:latin typeface="Comic Sans MS"/>
+                <a:cs typeface="Comic Sans MS"/>
+              </a:rPr>
+              <a:t> </a:t>
+            </a:r>
+            <a:r>
+              <a:rPr lang="en-US" sz="4400" dirty="0">
+                <a:solidFill>
+                  <a:srgbClr val="0000FF"/>
+                </a:solidFill>
+                <a:latin typeface="Comic Sans MS"/>
+                <a:cs typeface="Comic Sans MS"/>
+              </a:rPr>
+              <a:t>increasing</a:t>
+            </a:r>
+            <a:r>
+              <a:rPr lang="en-US" sz="4400" dirty="0">
+                <a:solidFill>
+                  <a:schemeClr val="accent2"/>
+                </a:solidFill>
+                <a:latin typeface="Comic Sans MS"/>
+                <a:cs typeface="Comic Sans MS"/>
+              </a:rPr>
+              <a:t>:</a:t>
+            </a:r>
+            <a:r>
+              <a:rPr lang="en-US" sz="4400" dirty="0">
+                <a:latin typeface="Comic Sans MS"/>
+                <a:cs typeface="Comic Sans MS"/>
+              </a:rPr>
               <a:t>”</a:t>
             </a:r>
           </a:p>
@@ -5916,7 +5235,7 @@
         </p:nvGrpSpPr>
         <p:grpSpPr bwMode="auto">
           <a:xfrm>
-            <a:off x="808038" y="3844925"/>
+            <a:off x="965200" y="3810000"/>
             <a:ext cx="7213600" cy="812800"/>
             <a:chOff x="577" y="2953"/>
             <a:chExt cx="4544" cy="512"/>
@@ -6600,166 +5919,230 @@
         </p:txBody>
       </p:sp>
     </p:spTree>
+    <p:extLst>
+      <p:ext uri="{BB962C8B-B14F-4D97-AF65-F5344CB8AC3E}">
+        <p14:creationId xmlns:p14="http://schemas.microsoft.com/office/powerpoint/2010/main" val="3755507775"/>
+      </p:ext>
+    </p:extLst>
   </p:cSld>
   <p:clrMapOvr>
     <a:masterClrMapping/>
   </p:clrMapOvr>
-  <p:transition xmlns:p14="http://schemas.microsoft.com/office/powerpoint/2010/main"/>
+  <mc:AlternateContent xmlns:mc="http://schemas.openxmlformats.org/markup-compatibility/2006" xmlns:p14="http://schemas.microsoft.com/office/powerpoint/2010/main">
+    <mc:Choice Requires="p14">
+      <p:transition spd="med" p14:dur="700">
+        <p:fade/>
+      </p:transition>
+    </mc:Choice>
+    <mc:Fallback xmlns="">
+      <p:transition xmlns:p14="http://schemas.microsoft.com/office/powerpoint/2010/main" spd="med">
+        <p:fade/>
+      </p:transition>
+    </mc:Fallback>
+  </mc:AlternateContent>
   <p:timing>
     <p:tnLst>
       <p:par>
-        <p:cTn xmlns:p14="http://schemas.microsoft.com/office/powerpoint/2010/main" id="1" dur="indefinite" restart="never" nodeType="tmRoot"/>
+        <p:cTn xmlns:p14="http://schemas.microsoft.com/office/powerpoint/2010/main" id="1" dur="indefinite" restart="never" nodeType="tmRoot">
+          <p:childTnLst>
+            <p:seq concurrent="1" nextAc="seek">
+              <p:cTn id="2" dur="indefinite" nodeType="mainSeq">
+                <p:childTnLst>
+                  <p:par>
+                    <p:cTn id="3" fill="hold">
+                      <p:stCondLst>
+                        <p:cond delay="indefinite"/>
+                      </p:stCondLst>
+                      <p:childTnLst>
+                        <p:par>
+                          <p:cTn id="4" fill="hold">
+                            <p:stCondLst>
+                              <p:cond delay="0"/>
+                            </p:stCondLst>
+                            <p:childTnLst>
+                              <p:par>
+                                <p:cTn id="5" presetID="9" presetClass="entr" presetSubtype="0" fill="hold" grpId="0" nodeType="clickEffect">
+                                  <p:stCondLst>
+                                    <p:cond delay="0"/>
+                                  </p:stCondLst>
+                                  <p:childTnLst>
+                                    <p:set>
+                                      <p:cBhvr>
+                                        <p:cTn id="6" dur="1" fill="hold">
+                                          <p:stCondLst>
+                                            <p:cond delay="0"/>
+                                          </p:stCondLst>
+                                        </p:cTn>
+                                        <p:tgtEl>
+                                          <p:spTgt spid="44035">
+                                            <p:txEl>
+                                              <p:pRg st="1" end="1"/>
+                                            </p:txEl>
+                                          </p:spTgt>
+                                        </p:tgtEl>
+                                        <p:attrNameLst>
+                                          <p:attrName>style.visibility</p:attrName>
+                                        </p:attrNameLst>
+                                      </p:cBhvr>
+                                      <p:to>
+                                        <p:strVal val="visible"/>
+                                      </p:to>
+                                    </p:set>
+                                    <p:animEffect transition="in" filter="dissolve">
+                                      <p:cBhvr>
+                                        <p:cTn id="7" dur="500"/>
+                                        <p:tgtEl>
+                                          <p:spTgt spid="44035">
+                                            <p:txEl>
+                                              <p:pRg st="1" end="1"/>
+                                            </p:txEl>
+                                          </p:spTgt>
+                                        </p:tgtEl>
+                                      </p:cBhvr>
+                                    </p:animEffect>
+                                  </p:childTnLst>
+                                </p:cTn>
+                              </p:par>
+                            </p:childTnLst>
+                          </p:cTn>
+                        </p:par>
+                        <p:par>
+                          <p:cTn id="8" fill="hold">
+                            <p:stCondLst>
+                              <p:cond delay="500"/>
+                            </p:stCondLst>
+                            <p:childTnLst>
+                              <p:par>
+                                <p:cTn id="9" presetID="9" presetClass="entr" presetSubtype="0" fill="hold" grpId="0" nodeType="afterEffect">
+                                  <p:stCondLst>
+                                    <p:cond delay="0"/>
+                                  </p:stCondLst>
+                                  <p:childTnLst>
+                                    <p:set>
+                                      <p:cBhvr>
+                                        <p:cTn id="10" dur="1" fill="hold">
+                                          <p:stCondLst>
+                                            <p:cond delay="0"/>
+                                          </p:stCondLst>
+                                        </p:cTn>
+                                        <p:tgtEl>
+                                          <p:spTgt spid="44035">
+                                            <p:txEl>
+                                              <p:pRg st="2" end="2"/>
+                                            </p:txEl>
+                                          </p:spTgt>
+                                        </p:tgtEl>
+                                        <p:attrNameLst>
+                                          <p:attrName>style.visibility</p:attrName>
+                                        </p:attrNameLst>
+                                      </p:cBhvr>
+                                      <p:to>
+                                        <p:strVal val="visible"/>
+                                      </p:to>
+                                    </p:set>
+                                    <p:animEffect transition="in" filter="dissolve">
+                                      <p:cBhvr>
+                                        <p:cTn id="11" dur="500"/>
+                                        <p:tgtEl>
+                                          <p:spTgt spid="44035">
+                                            <p:txEl>
+                                              <p:pRg st="2" end="2"/>
+                                            </p:txEl>
+                                          </p:spTgt>
+                                        </p:tgtEl>
+                                      </p:cBhvr>
+                                    </p:animEffect>
+                                  </p:childTnLst>
+                                </p:cTn>
+                              </p:par>
+                            </p:childTnLst>
+                          </p:cTn>
+                        </p:par>
+                      </p:childTnLst>
+                    </p:cTn>
+                  </p:par>
+                  <p:par>
+                    <p:cTn id="12" fill="hold">
+                      <p:stCondLst>
+                        <p:cond delay="indefinite"/>
+                      </p:stCondLst>
+                      <p:childTnLst>
+                        <p:par>
+                          <p:cTn id="13" fill="hold">
+                            <p:stCondLst>
+                              <p:cond delay="0"/>
+                            </p:stCondLst>
+                            <p:childTnLst>
+                              <p:par>
+                                <p:cTn id="14" presetID="22" presetClass="entr" presetSubtype="8" fill="hold" nodeType="clickEffect">
+                                  <p:stCondLst>
+                                    <p:cond delay="0"/>
+                                  </p:stCondLst>
+                                  <p:childTnLst>
+                                    <p:set>
+                                      <p:cBhvr>
+                                        <p:cTn id="15" dur="1" fill="hold">
+                                          <p:stCondLst>
+                                            <p:cond delay="0"/>
+                                          </p:stCondLst>
+                                        </p:cTn>
+                                        <p:tgtEl>
+                                          <p:spTgt spid="44036"/>
+                                        </p:tgtEl>
+                                        <p:attrNameLst>
+                                          <p:attrName>style.visibility</p:attrName>
+                                        </p:attrNameLst>
+                                      </p:cBhvr>
+                                      <p:to>
+                                        <p:strVal val="visible"/>
+                                      </p:to>
+                                    </p:set>
+                                    <p:animEffect transition="in" filter="wipe(left)">
+                                      <p:cBhvr>
+                                        <p:cTn id="16" dur="500"/>
+                                        <p:tgtEl>
+                                          <p:spTgt spid="44036"/>
+                                        </p:tgtEl>
+                                      </p:cBhvr>
+                                    </p:animEffect>
+                                  </p:childTnLst>
+                                </p:cTn>
+                              </p:par>
+                            </p:childTnLst>
+                          </p:cTn>
+                        </p:par>
+                      </p:childTnLst>
+                    </p:cTn>
+                  </p:par>
+                </p:childTnLst>
+              </p:cTn>
+              <p:prevCondLst>
+                <p:cond evt="onPrev" delay="0">
+                  <p:tgtEl>
+                    <p:sldTgt/>
+                  </p:tgtEl>
+                </p:cond>
+              </p:prevCondLst>
+              <p:nextCondLst>
+                <p:cond evt="onNext" delay="0">
+                  <p:tgtEl>
+                    <p:sldTgt/>
+                  </p:tgtEl>
+                </p:cond>
+              </p:nextCondLst>
+            </p:seq>
+          </p:childTnLst>
+        </p:cTn>
       </p:par>
     </p:tnLst>
+    <p:bldLst>
+      <p:bldP spid="44035" grpId="0" build="p"/>
+    </p:bldLst>
   </p:timing>
 </p:sld>
 </file>
 
 <file path=ppt/slides/slide13.xml><?xml version="1.0" encoding="utf-8"?>
-<p:sld xmlns:a="http://schemas.openxmlformats.org/drawingml/2006/main" xmlns:r="http://schemas.openxmlformats.org/officeDocument/2006/relationships" xmlns:p="http://schemas.openxmlformats.org/presentationml/2006/main">
-  <p:cSld>
-    <p:spTree>
-      <p:nvGrpSpPr>
-        <p:cNvPr id="1" name=""/>
-        <p:cNvGrpSpPr/>
-        <p:nvPr/>
-      </p:nvGrpSpPr>
-      <p:grpSpPr>
-        <a:xfrm>
-          <a:off x="0" y="0"/>
-          <a:ext cx="0" cy="0"/>
-          <a:chOff x="0" y="0"/>
-          <a:chExt cx="0" cy="0"/>
-        </a:xfrm>
-      </p:grpSpPr>
-      <p:sp>
-        <p:nvSpPr>
-          <p:cNvPr id="46082" name="Text Box 2"/>
-          <p:cNvSpPr txBox="1">
-            <a:spLocks noChangeArrowheads="1"/>
-          </p:cNvSpPr>
-          <p:nvPr/>
-        </p:nvSpPr>
-        <p:spPr bwMode="auto">
-          <a:xfrm>
-            <a:off x="304800" y="1865313"/>
-            <a:ext cx="8534400" cy="3139321"/>
-          </a:xfrm>
-          <a:prstGeom prst="rect">
-            <a:avLst/>
-          </a:prstGeom>
-          <a:noFill/>
-          <a:ln w="9525">
-            <a:noFill/>
-            <a:miter lim="800000"/>
-            <a:headEnd/>
-            <a:tailEnd/>
-          </a:ln>
-        </p:spPr>
-        <p:txBody>
-          <a:bodyPr>
-            <a:prstTxWarp prst="textNoShape">
-              <a:avLst/>
-            </a:prstTxWarp>
-            <a:spAutoFit/>
-          </a:bodyPr>
-          <a:lstStyle/>
-          <a:p>
-            <a:r>
-              <a:rPr lang="en-US" sz="6600" dirty="0">
-                <a:solidFill>
-                  <a:schemeClr val="tx2"/>
-                </a:solidFill>
-                <a:latin typeface="Comic Sans MS" pitchFamily="-107" charset="0"/>
-              </a:rPr>
-              <a:t>Proving Termination</a:t>
-            </a:r>
-          </a:p>
-          <a:p>
-            <a:r>
-              <a:rPr lang="en-US" sz="6600" dirty="0">
-                <a:solidFill>
-                  <a:schemeClr val="tx2"/>
-                </a:solidFill>
-                <a:latin typeface="Comic Sans MS" pitchFamily="-107" charset="0"/>
-              </a:rPr>
-              <a:t>using </a:t>
-            </a:r>
-            <a:endParaRPr lang="en-US" sz="6600" dirty="0" smtClean="0">
-              <a:solidFill>
-                <a:schemeClr val="tx2"/>
-              </a:solidFill>
-              <a:latin typeface="Comic Sans MS" pitchFamily="-107" charset="0"/>
-            </a:endParaRPr>
-          </a:p>
-          <a:p>
-            <a:r>
-              <a:rPr lang="en-US" sz="6600" dirty="0" smtClean="0">
-                <a:solidFill>
-                  <a:srgbClr val="0000FF"/>
-                </a:solidFill>
-                <a:latin typeface="Comic Sans MS" pitchFamily="-107" charset="0"/>
-              </a:rPr>
-              <a:t>Well ordered sets</a:t>
-            </a:r>
-            <a:endParaRPr lang="en-US" sz="6600" dirty="0">
-              <a:solidFill>
-                <a:srgbClr val="0000FF"/>
-              </a:solidFill>
-              <a:latin typeface="Comic Sans MS" pitchFamily="-107" charset="0"/>
-            </a:endParaRPr>
-          </a:p>
-        </p:txBody>
-      </p:sp>
-      <p:sp>
-        <p:nvSpPr>
-          <p:cNvPr id="46083" name="Rectangle 11"/>
-          <p:cNvSpPr>
-            <a:spLocks noGrp="1" noChangeArrowheads="1"/>
-          </p:cNvSpPr>
-          <p:nvPr>
-            <p:ph type="sldNum" sz="quarter" idx="10"/>
-          </p:nvPr>
-        </p:nvSpPr>
-        <p:spPr>
-          <a:noFill/>
-        </p:spPr>
-        <p:txBody>
-          <a:bodyPr/>
-          <a:lstStyle/>
-          <a:p>
-            <a:r>
-              <a:rPr lang="en-US" smtClean="0"/>
-              <a:t>lec 5F.</a:t>
-            </a:r>
-            <a:fld id="{BF7F1D80-896E-884F-90B7-D4F869BA7F0B}" type="slidenum">
-              <a:rPr lang="en-US" smtClean="0"/>
-              <a:pPr/>
-              <a:t>13</a:t>
-            </a:fld>
-            <a:endParaRPr lang="en-US" smtClean="0"/>
-          </a:p>
-        </p:txBody>
-      </p:sp>
-    </p:spTree>
-  </p:cSld>
-  <p:clrMapOvr>
-    <a:masterClrMapping/>
-  </p:clrMapOvr>
-  <p:transition xmlns:p14="http://schemas.microsoft.com/office/powerpoint/2010/main" advClick="0">
-    <p:fade/>
-  </p:transition>
-  <p:timing>
-    <p:tnLst>
-      <p:par>
-        <p:cTn xmlns:p14="http://schemas.microsoft.com/office/powerpoint/2010/main" id="1" dur="indefinite" restart="never" nodeType="tmRoot"/>
-      </p:par>
-    </p:tnLst>
-  </p:timing>
-</p:sld>
-</file>
-
-<file path=ppt/slides/slide14.xml><?xml version="1.0" encoding="utf-8"?>
 <p:sld xmlns:a="http://schemas.openxmlformats.org/drawingml/2006/main" xmlns:r="http://schemas.openxmlformats.org/officeDocument/2006/relationships" xmlns:p="http://schemas.openxmlformats.org/presentationml/2006/main">
   <p:cSld>
     <p:spTree>
@@ -6803,7 +6186,7 @@
           <a:lstStyle/>
           <a:p>
             <a:r>
-              <a:rPr lang="en-US" dirty="0" smtClean="0"/>
+              <a:rPr lang="en-US" sz="4000" dirty="0" smtClean="0"/>
               <a:t>Well ordered sets</a:t>
             </a:r>
           </a:p>
@@ -7070,7 +6453,7 @@
             <a:fld id="{CA89311D-00A2-ED47-8ABD-4741E58F9934}" type="slidenum">
               <a:rPr lang="en-US" smtClean="0"/>
               <a:pPr/>
-              <a:t>14</a:t>
+              <a:t>13</a:t>
             </a:fld>
             <a:endParaRPr lang="en-US" smtClean="0"/>
           </a:p>
@@ -7093,10 +6476,11 @@
             <a:avLst/>
           </a:prstGeom>
           <a:noFill/>
-          <a:ln w="38100">
+          <a:ln w="50800">
             <a:solidFill>
               <a:srgbClr val="FF0000"/>
             </a:solidFill>
+            <a:prstDash val="dash"/>
             <a:round/>
             <a:headEnd/>
             <a:tailEnd/>
@@ -7104,11 +6488,18 @@
         </p:spPr>
       </p:cxnSp>
     </p:spTree>
+    <p:extLst>
+      <p:ext uri="{BB962C8B-B14F-4D97-AF65-F5344CB8AC3E}">
+        <p14:creationId xmlns:p14="http://schemas.microsoft.com/office/powerpoint/2010/main" val="2515444310"/>
+      </p:ext>
+    </p:extLst>
   </p:cSld>
   <p:clrMapOvr>
     <a:masterClrMapping/>
   </p:clrMapOvr>
-  <p:transition xmlns:p14="http://schemas.microsoft.com/office/powerpoint/2010/main"/>
+  <p:transition xmlns:p14="http://schemas.microsoft.com/office/powerpoint/2010/main" spd="slow">
+    <p:fade thruBlk="1"/>
+  </p:transition>
   <p:timing>
     <p:tnLst>
       <p:par>
@@ -7338,7 +6729,7 @@
                                     </p:set>
                                     <p:animEffect transition="in" filter="wipe(left)">
                                       <p:cBhvr>
-                                        <p:cTn id="22" dur="500"/>
+                                        <p:cTn id="22" dur="2000"/>
                                         <p:tgtEl>
                                           <p:spTgt spid="6"/>
                                         </p:tgtEl>
@@ -7375,8 +6766,424 @@
       </p:par>
     </p:tnLst>
     <p:bldLst>
-      <p:bldP spid="49155" grpId="0" uiExpand="1" build="p"/>
+      <p:bldP spid="49155" grpId="0" build="p"/>
     </p:bldLst>
+  </p:timing>
+</p:sld>
+</file>
+
+<file path=ppt/slides/slide14.xml><?xml version="1.0" encoding="utf-8"?>
+<p:sld xmlns:a="http://schemas.openxmlformats.org/drawingml/2006/main" xmlns:r="http://schemas.openxmlformats.org/officeDocument/2006/relationships" xmlns:p="http://schemas.openxmlformats.org/presentationml/2006/main">
+  <p:cSld>
+    <p:spTree>
+      <p:nvGrpSpPr>
+        <p:cNvPr id="1" name=""/>
+        <p:cNvGrpSpPr/>
+        <p:nvPr/>
+      </p:nvGrpSpPr>
+      <p:grpSpPr>
+        <a:xfrm>
+          <a:off x="0" y="0"/>
+          <a:ext cx="0" cy="0"/>
+          <a:chOff x="0" y="0"/>
+          <a:chExt cx="0" cy="0"/>
+        </a:xfrm>
+      </p:grpSpPr>
+      <p:sp>
+        <p:nvSpPr>
+          <p:cNvPr id="46082" name="Text Box 2"/>
+          <p:cNvSpPr txBox="1">
+            <a:spLocks noChangeArrowheads="1"/>
+          </p:cNvSpPr>
+          <p:nvPr/>
+        </p:nvSpPr>
+        <p:spPr bwMode="auto">
+          <a:xfrm>
+            <a:off x="533400" y="1524000"/>
+            <a:ext cx="8001000" cy="3861852"/>
+          </a:xfrm>
+          <a:prstGeom prst="rect">
+            <a:avLst/>
+          </a:prstGeom>
+          <a:noFill/>
+          <a:ln w="9525">
+            <a:noFill/>
+            <a:miter lim="800000"/>
+            <a:headEnd/>
+            <a:tailEnd/>
+          </a:ln>
+        </p:spPr>
+        <p:txBody>
+          <a:bodyPr wrap="square">
+            <a:prstTxWarp prst="textNoShape">
+              <a:avLst/>
+            </a:prstTxWarp>
+            <a:spAutoFit/>
+          </a:bodyPr>
+          <a:lstStyle/>
+          <a:p>
+            <a:pPr algn="l"/>
+            <a:r>
+              <a:rPr lang="en-US" sz="4800" dirty="0" smtClean="0">
+                <a:solidFill>
+                  <a:schemeClr val="tx2"/>
+                </a:solidFill>
+                <a:latin typeface="Comic Sans MS" pitchFamily="-107" charset="0"/>
+              </a:rPr>
+              <a:t>Termination using WOP on            	 generalizes to </a:t>
+            </a:r>
+            <a:r>
+              <a:rPr lang="en-US" sz="4800" dirty="0" smtClean="0">
+                <a:solidFill>
+                  <a:schemeClr val="tx1"/>
+                </a:solidFill>
+                <a:latin typeface="Comic Sans MS" pitchFamily="-107" charset="0"/>
+              </a:rPr>
+              <a:t>strictly decreasing variables whose values are in any</a:t>
+            </a:r>
+            <a:endParaRPr lang="en-US" sz="4800" dirty="0" smtClean="0">
+              <a:solidFill>
+                <a:schemeClr val="tx2"/>
+              </a:solidFill>
+              <a:latin typeface="Comic Sans MS" pitchFamily="-107" charset="0"/>
+            </a:endParaRPr>
+          </a:p>
+          <a:p>
+            <a:r>
+              <a:rPr lang="en-US" sz="4800" dirty="0" smtClean="0">
+                <a:solidFill>
+                  <a:srgbClr val="0000FF"/>
+                </a:solidFill>
+                <a:latin typeface="Comic Sans MS" pitchFamily="-107" charset="0"/>
+              </a:rPr>
+              <a:t>well </a:t>
+            </a:r>
+            <a:r>
+              <a:rPr lang="en-US" sz="4800" dirty="0">
+                <a:solidFill>
+                  <a:srgbClr val="0000FF"/>
+                </a:solidFill>
+                <a:latin typeface="Comic Sans MS" pitchFamily="-107" charset="0"/>
+              </a:rPr>
+              <a:t>ordered </a:t>
+            </a:r>
+            <a:r>
+              <a:rPr lang="en-US" sz="4800" dirty="0" smtClean="0">
+                <a:solidFill>
+                  <a:srgbClr val="0000FF"/>
+                </a:solidFill>
+                <a:latin typeface="Comic Sans MS" pitchFamily="-107" charset="0"/>
+              </a:rPr>
+              <a:t>set</a:t>
+            </a:r>
+            <a:endParaRPr lang="en-US" sz="4800" dirty="0">
+              <a:solidFill>
+                <a:schemeClr val="tx1"/>
+              </a:solidFill>
+              <a:latin typeface="Comic Sans MS" pitchFamily="-107" charset="0"/>
+            </a:endParaRPr>
+          </a:p>
+        </p:txBody>
+      </p:sp>
+      <p:sp>
+        <p:nvSpPr>
+          <p:cNvPr id="46083" name="Rectangle 11"/>
+          <p:cNvSpPr>
+            <a:spLocks noGrp="1" noChangeArrowheads="1"/>
+          </p:cNvSpPr>
+          <p:nvPr>
+            <p:ph type="sldNum" sz="quarter" idx="10"/>
+          </p:nvPr>
+        </p:nvSpPr>
+        <p:spPr>
+          <a:noFill/>
+        </p:spPr>
+        <p:txBody>
+          <a:bodyPr/>
+          <a:lstStyle/>
+          <a:p>
+            <a:r>
+              <a:rPr lang="en-US" smtClean="0"/>
+              <a:t>lec 5F.</a:t>
+            </a:r>
+            <a:fld id="{BF7F1D80-896E-884F-90B7-D4F869BA7F0B}" type="slidenum">
+              <a:rPr lang="en-US" smtClean="0"/>
+              <a:pPr/>
+              <a:t>14</a:t>
+            </a:fld>
+            <a:endParaRPr lang="en-US" smtClean="0"/>
+          </a:p>
+        </p:txBody>
+      </p:sp>
+      <p:graphicFrame>
+        <p:nvGraphicFramePr>
+          <p:cNvPr id="2" name="Object 1"/>
+          <p:cNvGraphicFramePr>
+            <a:graphicFrameLocks noChangeAspect="1"/>
+          </p:cNvGraphicFramePr>
+          <p:nvPr>
+            <p:extLst>
+              <p:ext uri="{D42A27DB-BD31-4B8C-83A1-F6EECF244321}">
+                <p14:modId xmlns:p14="http://schemas.microsoft.com/office/powerpoint/2010/main" val="3734479166"/>
+              </p:ext>
+            </p:extLst>
+          </p:nvPr>
+        </p:nvGraphicFramePr>
+        <p:xfrm>
+          <a:off x="723900" y="2133600"/>
+          <a:ext cx="952500" cy="952500"/>
+        </p:xfrm>
+        <a:graphic>
+          <a:graphicData uri="http://schemas.openxmlformats.org/presentationml/2006/ole">
+            <mc:AlternateContent xmlns:mc="http://schemas.openxmlformats.org/markup-compatibility/2006">
+              <mc:Choice xmlns:v="urn:schemas-microsoft-com:vml" Requires="v">
+                <p:oleObj spid="_x0000_s85007" name="Equation" r:id="rId3" imgW="165100" imgH="165100" progId="Equation.DSMT4">
+                  <p:embed/>
+                </p:oleObj>
+              </mc:Choice>
+              <mc:Fallback>
+                <p:oleObj name="Equation" r:id="rId3" imgW="165100" imgH="165100" progId="Equation.DSMT4">
+                  <p:embed/>
+                  <p:pic>
+                    <p:nvPicPr>
+                      <p:cNvPr id="0" name=""/>
+                      <p:cNvPicPr/>
+                      <p:nvPr/>
+                    </p:nvPicPr>
+                    <p:blipFill>
+                      <a:blip r:embed="rId4"/>
+                      <a:stretch>
+                        <a:fillRect/>
+                      </a:stretch>
+                    </p:blipFill>
+                    <p:spPr>
+                      <a:xfrm>
+                        <a:off x="723900" y="2133600"/>
+                        <a:ext cx="952500" cy="952500"/>
+                      </a:xfrm>
+                      <a:prstGeom prst="rect">
+                        <a:avLst/>
+                      </a:prstGeom>
+                    </p:spPr>
+                  </p:pic>
+                </p:oleObj>
+              </mc:Fallback>
+            </mc:AlternateContent>
+          </a:graphicData>
+        </a:graphic>
+      </p:graphicFrame>
+      <p:sp>
+        <p:nvSpPr>
+          <p:cNvPr id="5" name="Rectangle 2"/>
+          <p:cNvSpPr txBox="1">
+            <a:spLocks noChangeArrowheads="1"/>
+          </p:cNvSpPr>
+          <p:nvPr/>
+        </p:nvSpPr>
+        <p:spPr bwMode="auto">
+          <a:xfrm>
+            <a:off x="1524000" y="228600"/>
+            <a:ext cx="7315200" cy="914400"/>
+          </a:xfrm>
+          <a:prstGeom prst="rect">
+            <a:avLst/>
+          </a:prstGeom>
+          <a:noFill/>
+          <a:ln>
+            <a:miter lim="800000"/>
+            <a:headEnd/>
+            <a:tailEnd/>
+          </a:ln>
+        </p:spPr>
+        <p:txBody>
+          <a:bodyPr vert="horz" wrap="square" lIns="91440" tIns="45720" rIns="91440" bIns="45720" numCol="1" anchor="t" anchorCtr="0" compatLnSpc="1">
+            <a:prstTxWarp prst="textNoShape">
+              <a:avLst/>
+            </a:prstTxWarp>
+          </a:bodyPr>
+          <a:lstStyle>
+            <a:lvl1pPr algn="l" rtl="0" eaLnBrk="0" fontAlgn="base" hangingPunct="0">
+              <a:spcBef>
+                <a:spcPct val="0"/>
+              </a:spcBef>
+              <a:spcAft>
+                <a:spcPct val="0"/>
+              </a:spcAft>
+              <a:defRPr sz="3600" b="1">
+                <a:solidFill>
+                  <a:schemeClr val="tx1"/>
+                </a:solidFill>
+                <a:latin typeface="+mj-lt"/>
+                <a:ea typeface="+mj-ea"/>
+                <a:cs typeface="+mj-cs"/>
+                <a:sym typeface="Comic Sans MS" pitchFamily="-107" charset="0"/>
+              </a:defRPr>
+            </a:lvl1pPr>
+            <a:lvl2pPr algn="l" rtl="0" eaLnBrk="0" fontAlgn="base" hangingPunct="0">
+              <a:spcBef>
+                <a:spcPct val="0"/>
+              </a:spcBef>
+              <a:spcAft>
+                <a:spcPct val="0"/>
+              </a:spcAft>
+              <a:defRPr sz="3600" b="1">
+                <a:solidFill>
+                  <a:schemeClr val="tx1"/>
+                </a:solidFill>
+                <a:latin typeface="Comic Sans MS" pitchFamily="-108" charset="0"/>
+                <a:ea typeface="ヒラギノ明朝 ProN W6" pitchFamily="-108" charset="-128"/>
+                <a:cs typeface="ヒラギノ明朝 ProN W6" pitchFamily="-108" charset="-128"/>
+                <a:sym typeface="Comic Sans MS" pitchFamily="-107" charset="0"/>
+              </a:defRPr>
+            </a:lvl2pPr>
+            <a:lvl3pPr algn="l" rtl="0" eaLnBrk="0" fontAlgn="base" hangingPunct="0">
+              <a:spcBef>
+                <a:spcPct val="0"/>
+              </a:spcBef>
+              <a:spcAft>
+                <a:spcPct val="0"/>
+              </a:spcAft>
+              <a:defRPr sz="3600" b="1">
+                <a:solidFill>
+                  <a:schemeClr val="tx1"/>
+                </a:solidFill>
+                <a:latin typeface="Comic Sans MS" pitchFamily="-108" charset="0"/>
+                <a:ea typeface="ヒラギノ明朝 ProN W6" pitchFamily="-108" charset="-128"/>
+                <a:cs typeface="ヒラギノ明朝 ProN W6" pitchFamily="-108" charset="-128"/>
+                <a:sym typeface="Comic Sans MS" pitchFamily="-107" charset="0"/>
+              </a:defRPr>
+            </a:lvl3pPr>
+            <a:lvl4pPr algn="l" rtl="0" eaLnBrk="0" fontAlgn="base" hangingPunct="0">
+              <a:spcBef>
+                <a:spcPct val="0"/>
+              </a:spcBef>
+              <a:spcAft>
+                <a:spcPct val="0"/>
+              </a:spcAft>
+              <a:defRPr sz="3600" b="1">
+                <a:solidFill>
+                  <a:schemeClr val="tx1"/>
+                </a:solidFill>
+                <a:latin typeface="Comic Sans MS" pitchFamily="-108" charset="0"/>
+                <a:ea typeface="ヒラギノ明朝 ProN W6" pitchFamily="-108" charset="-128"/>
+                <a:cs typeface="ヒラギノ明朝 ProN W6" pitchFamily="-108" charset="-128"/>
+                <a:sym typeface="Comic Sans MS" pitchFamily="-107" charset="0"/>
+              </a:defRPr>
+            </a:lvl4pPr>
+            <a:lvl5pPr algn="l" rtl="0" eaLnBrk="0" fontAlgn="base" hangingPunct="0">
+              <a:spcBef>
+                <a:spcPct val="0"/>
+              </a:spcBef>
+              <a:spcAft>
+                <a:spcPct val="0"/>
+              </a:spcAft>
+              <a:defRPr sz="3600" b="1">
+                <a:solidFill>
+                  <a:schemeClr val="tx1"/>
+                </a:solidFill>
+                <a:latin typeface="Comic Sans MS" pitchFamily="-108" charset="0"/>
+                <a:ea typeface="ヒラギノ明朝 ProN W6" pitchFamily="-108" charset="-128"/>
+                <a:cs typeface="ヒラギノ明朝 ProN W6" pitchFamily="-108" charset="-128"/>
+                <a:sym typeface="Comic Sans MS" pitchFamily="-107" charset="0"/>
+              </a:defRPr>
+            </a:lvl5pPr>
+            <a:lvl6pPr marL="457200" algn="l" rtl="0" fontAlgn="base">
+              <a:spcBef>
+                <a:spcPct val="0"/>
+              </a:spcBef>
+              <a:spcAft>
+                <a:spcPct val="0"/>
+              </a:spcAft>
+              <a:defRPr sz="3600" b="1">
+                <a:solidFill>
+                  <a:schemeClr val="tx1"/>
+                </a:solidFill>
+                <a:latin typeface="Comic Sans MS" pitchFamily="-108" charset="0"/>
+                <a:ea typeface="ヒラギノ明朝 ProN W6" pitchFamily="-108" charset="-128"/>
+                <a:cs typeface="ヒラギノ明朝 ProN W6" pitchFamily="-108" charset="-128"/>
+                <a:sym typeface="Comic Sans MS" pitchFamily="-108" charset="0"/>
+              </a:defRPr>
+            </a:lvl6pPr>
+            <a:lvl7pPr marL="914400" algn="l" rtl="0" fontAlgn="base">
+              <a:spcBef>
+                <a:spcPct val="0"/>
+              </a:spcBef>
+              <a:spcAft>
+                <a:spcPct val="0"/>
+              </a:spcAft>
+              <a:defRPr sz="3600" b="1">
+                <a:solidFill>
+                  <a:schemeClr val="tx1"/>
+                </a:solidFill>
+                <a:latin typeface="Comic Sans MS" pitchFamily="-108" charset="0"/>
+                <a:ea typeface="ヒラギノ明朝 ProN W6" pitchFamily="-108" charset="-128"/>
+                <a:cs typeface="ヒラギノ明朝 ProN W6" pitchFamily="-108" charset="-128"/>
+                <a:sym typeface="Comic Sans MS" pitchFamily="-108" charset="0"/>
+              </a:defRPr>
+            </a:lvl7pPr>
+            <a:lvl8pPr marL="1371600" algn="l" rtl="0" fontAlgn="base">
+              <a:spcBef>
+                <a:spcPct val="0"/>
+              </a:spcBef>
+              <a:spcAft>
+                <a:spcPct val="0"/>
+              </a:spcAft>
+              <a:defRPr sz="3600" b="1">
+                <a:solidFill>
+                  <a:schemeClr val="tx1"/>
+                </a:solidFill>
+                <a:latin typeface="Comic Sans MS" pitchFamily="-108" charset="0"/>
+                <a:ea typeface="ヒラギノ明朝 ProN W6" pitchFamily="-108" charset="-128"/>
+                <a:cs typeface="ヒラギノ明朝 ProN W6" pitchFamily="-108" charset="-128"/>
+                <a:sym typeface="Comic Sans MS" pitchFamily="-108" charset="0"/>
+              </a:defRPr>
+            </a:lvl8pPr>
+            <a:lvl9pPr marL="1828800" algn="l" rtl="0" fontAlgn="base">
+              <a:spcBef>
+                <a:spcPct val="0"/>
+              </a:spcBef>
+              <a:spcAft>
+                <a:spcPct val="0"/>
+              </a:spcAft>
+              <a:defRPr sz="3600" b="1">
+                <a:solidFill>
+                  <a:schemeClr val="tx1"/>
+                </a:solidFill>
+                <a:latin typeface="Comic Sans MS" pitchFamily="-108" charset="0"/>
+                <a:ea typeface="ヒラギノ明朝 ProN W6" pitchFamily="-108" charset="-128"/>
+                <a:cs typeface="ヒラギノ明朝 ProN W6" pitchFamily="-108" charset="-128"/>
+                <a:sym typeface="Comic Sans MS" pitchFamily="-108" charset="0"/>
+              </a:defRPr>
+            </a:lvl9pPr>
+          </a:lstStyle>
+          <a:p>
+            <a:r>
+              <a:rPr lang="en-US" sz="4000" smtClean="0"/>
+              <a:t>Well ordered sets</a:t>
+            </a:r>
+            <a:endParaRPr lang="en-US" sz="4000" dirty="0" smtClean="0"/>
+          </a:p>
+        </p:txBody>
+      </p:sp>
+    </p:spTree>
+    <p:extLst>
+      <p:ext uri="{BB962C8B-B14F-4D97-AF65-F5344CB8AC3E}">
+        <p14:creationId xmlns:p14="http://schemas.microsoft.com/office/powerpoint/2010/main" val="1146964623"/>
+      </p:ext>
+    </p:extLst>
+  </p:cSld>
+  <p:clrMapOvr>
+    <a:masterClrMapping/>
+  </p:clrMapOvr>
+  <p:transition xmlns:p14="http://schemas.microsoft.com/office/powerpoint/2010/main" advClick="0">
+    <p:fade/>
+  </p:transition>
+  <p:timing>
+    <p:tnLst>
+      <p:par>
+        <p:cTn xmlns:p14="http://schemas.microsoft.com/office/powerpoint/2010/main" id="1" dur="indefinite" restart="never" nodeType="tmRoot"/>
+      </p:par>
+    </p:tnLst>
   </p:timing>
 </p:sld>
 </file>
@@ -7448,7 +7255,7 @@
         </p:nvSpPr>
         <p:spPr bwMode="auto">
           <a:xfrm>
-            <a:off x="285750" y="1196975"/>
+            <a:off x="285750" y="1397000"/>
             <a:ext cx="8616950" cy="4470400"/>
           </a:xfrm>
           <a:noFill/>
@@ -7712,13 +7519,27 @@
         </p:txBody>
       </p:sp>
     </p:spTree>
+    <p:extLst>
+      <p:ext uri="{BB962C8B-B14F-4D97-AF65-F5344CB8AC3E}">
+        <p14:creationId xmlns:p14="http://schemas.microsoft.com/office/powerpoint/2010/main" val="3330043532"/>
+      </p:ext>
+    </p:extLst>
   </p:cSld>
   <p:clrMapOvr>
     <a:masterClrMapping/>
   </p:clrMapOvr>
-  <p:transition xmlns:p14="http://schemas.microsoft.com/office/powerpoint/2010/main" spd="slow">
-    <p:fade thruBlk="1"/>
-  </p:transition>
+  <mc:AlternateContent xmlns:mc="http://schemas.openxmlformats.org/markup-compatibility/2006" xmlns:p14="http://schemas.microsoft.com/office/powerpoint/2010/main">
+    <mc:Choice Requires="p14">
+      <p:transition spd="med" p14:dur="700">
+        <p:fade/>
+      </p:transition>
+    </mc:Choice>
+    <mc:Fallback xmlns="">
+      <p:transition xmlns:p14="http://schemas.microsoft.com/office/powerpoint/2010/main" spd="med">
+        <p:fade/>
+      </p:transition>
+    </mc:Fallback>
+  </mc:AlternateContent>
   <p:timing>
     <p:tnLst>
       <p:par>
@@ -7740,7 +7561,7 @@
                             </p:stCondLst>
                             <p:childTnLst>
                               <p:par>
-                                <p:cTn id="5" presetID="1" presetClass="entr" presetSubtype="0" fill="hold" nodeType="clickEffect">
+                                <p:cTn id="5" presetID="22" presetClass="entr" presetSubtype="8" fill="hold" grpId="0" nodeType="clickEffect">
                                   <p:stCondLst>
                                     <p:cond delay="0"/>
                                   </p:stCondLst>
@@ -7767,6 +7588,18 @@
                                         <p:strVal val="visible"/>
                                       </p:to>
                                     </p:set>
+                                    <p:animEffect transition="in" filter="wipe(left)">
+                                      <p:cBhvr>
+                                        <p:cTn id="7" dur="1000"/>
+                                        <p:tgtEl>
+                                          <p:spTgt spid="702467">
+                                            <p:txEl>
+                                              <p:pRg st="1" end="1"/>
+                                            </p:txEl>
+                                          </p:spTgt>
+                                        </p:tgtEl>
+                                      </p:cBhvr>
+                                    </p:animEffect>
                                   </p:childTnLst>
                                 </p:cTn>
                               </p:par>
@@ -7777,26 +7610,26 @@
                     </p:cTn>
                   </p:par>
                   <p:par>
-                    <p:cTn id="7" fill="hold">
+                    <p:cTn id="8" fill="hold">
                       <p:stCondLst>
                         <p:cond delay="indefinite"/>
                       </p:stCondLst>
                       <p:childTnLst>
                         <p:par>
-                          <p:cTn id="8" fill="hold">
+                          <p:cTn id="9" fill="hold">
                             <p:stCondLst>
                               <p:cond delay="0"/>
                             </p:stCondLst>
                             <p:childTnLst>
                               <p:par>
-                                <p:cTn id="9" presetID="1" presetClass="entr" presetSubtype="0" fill="hold" nodeType="clickEffect">
+                                <p:cTn id="10" presetID="9" presetClass="entr" presetSubtype="0" fill="hold" grpId="0" nodeType="clickEffect">
                                   <p:stCondLst>
                                     <p:cond delay="0"/>
                                   </p:stCondLst>
                                   <p:childTnLst>
                                     <p:set>
                                       <p:cBhvr>
-                                        <p:cTn id="10" dur="1" fill="hold">
+                                        <p:cTn id="11" dur="1" fill="hold">
                                           <p:stCondLst>
                                             <p:cond delay="0"/>
                                           </p:stCondLst>
@@ -7816,18 +7649,39 @@
                                         <p:strVal val="visible"/>
                                       </p:to>
                                     </p:set>
+                                    <p:animEffect transition="in" filter="dissolve">
+                                      <p:cBhvr>
+                                        <p:cTn id="12" dur="500"/>
+                                        <p:tgtEl>
+                                          <p:spTgt spid="702467">
+                                            <p:txEl>
+                                              <p:pRg st="2" end="2"/>
+                                            </p:txEl>
+                                          </p:spTgt>
+                                        </p:tgtEl>
+                                      </p:cBhvr>
+                                    </p:animEffect>
                                   </p:childTnLst>
                                 </p:cTn>
                               </p:par>
+                            </p:childTnLst>
+                          </p:cTn>
+                        </p:par>
+                        <p:par>
+                          <p:cTn id="13" fill="hold">
+                            <p:stCondLst>
+                              <p:cond delay="500"/>
+                            </p:stCondLst>
+                            <p:childTnLst>
                               <p:par>
-                                <p:cTn id="11" presetID="1" presetClass="entr" presetSubtype="0" fill="hold" nodeType="withEffect">
+                                <p:cTn id="14" presetID="9" presetClass="entr" presetSubtype="0" fill="hold" grpId="0" nodeType="afterEffect">
                                   <p:stCondLst>
                                     <p:cond delay="0"/>
                                   </p:stCondLst>
                                   <p:childTnLst>
                                     <p:set>
                                       <p:cBhvr>
-                                        <p:cTn id="12" dur="1" fill="hold">
+                                        <p:cTn id="15" dur="1" fill="hold">
                                           <p:stCondLst>
                                             <p:cond delay="0"/>
                                           </p:stCondLst>
@@ -7847,6 +7701,18 @@
                                         <p:strVal val="visible"/>
                                       </p:to>
                                     </p:set>
+                                    <p:animEffect transition="in" filter="dissolve">
+                                      <p:cBhvr>
+                                        <p:cTn id="16" dur="500"/>
+                                        <p:tgtEl>
+                                          <p:spTgt spid="702467">
+                                            <p:txEl>
+                                              <p:pRg st="3" end="3"/>
+                                            </p:txEl>
+                                          </p:spTgt>
+                                        </p:tgtEl>
+                                      </p:cBhvr>
+                                    </p:animEffect>
                                   </p:childTnLst>
                                 </p:cTn>
                               </p:par>
@@ -7877,6 +7743,9 @@
         </p:cTn>
       </p:par>
     </p:tnLst>
+    <p:bldLst>
+      <p:bldP spid="702467" grpId="0" build="p"/>
+    </p:bldLst>
   </p:timing>
 </p:sld>
 </file>
@@ -7910,7 +7779,7 @@
         </p:nvSpPr>
         <p:spPr bwMode="auto">
           <a:xfrm>
-            <a:off x="214313" y="1065213"/>
+            <a:off x="214313" y="1323975"/>
             <a:ext cx="8785225" cy="5229225"/>
           </a:xfrm>
           <a:noFill/>
@@ -7930,26 +7799,26 @@
           <a:p>
             <a:pPr marL="0" indent="0" eaLnBrk="1" hangingPunct="1"/>
             <a:r>
-              <a:rPr lang="en-US" sz="4800" smtClean="0"/>
+              <a:rPr lang="en-US" sz="4800" dirty="0" smtClean="0"/>
               <a:t>Robot on the grid example:</a:t>
             </a:r>
           </a:p>
           <a:p>
             <a:pPr marL="0" indent="0" eaLnBrk="1" hangingPunct="1"/>
             <a:r>
-              <a:rPr lang="en-US" sz="4800" smtClean="0"/>
+              <a:rPr lang="en-US" sz="4800" dirty="0" smtClean="0"/>
               <a:t>States</a:t>
             </a:r>
             <a:r>
-              <a:rPr lang="en-US" sz="4800" i="1" smtClean="0"/>
+              <a:rPr lang="en-US" sz="4800" i="1" dirty="0" smtClean="0"/>
               <a:t> </a:t>
             </a:r>
             <a:r>
-              <a:rPr lang="en-US" sz="4800" smtClean="0"/>
+              <a:rPr lang="en-US" sz="4800" dirty="0" smtClean="0"/>
               <a:t>= </a:t>
             </a:r>
             <a:r>
-              <a:rPr lang="en-US" sz="5400" smtClean="0">
+              <a:rPr lang="en-US" sz="5400" dirty="0" smtClean="0">
                 <a:solidFill>
                   <a:srgbClr val="0000CC"/>
                 </a:solidFill>
@@ -7958,7 +7827,7 @@
               <a:t></a:t>
             </a:r>
             <a:r>
-              <a:rPr lang="en-US" sz="5400" baseline="30000" smtClean="0">
+              <a:rPr lang="en-US" sz="5400" baseline="30000" dirty="0" smtClean="0">
                 <a:solidFill>
                   <a:srgbClr val="0000CC"/>
                 </a:solidFill>
@@ -7967,19 +7836,19 @@
               <a:t>2</a:t>
             </a:r>
             <a:r>
-              <a:rPr lang="en-US" sz="5400" smtClean="0">
+              <a:rPr lang="en-US" sz="5400" dirty="0" smtClean="0">
                 <a:sym typeface="Euclid Extra" pitchFamily="-107" charset="0"/>
               </a:rPr>
               <a:t>.</a:t>
             </a:r>
             <a:r>
-              <a:rPr lang="en-US" sz="4800" smtClean="0">
+              <a:rPr lang="en-US" sz="4800" dirty="0" smtClean="0">
                 <a:sym typeface="Euclid Extra" pitchFamily="-107" charset="0"/>
               </a:rPr>
               <a:t>   </a:t>
             </a:r>
             <a:r>
-              <a:rPr lang="en-US" sz="4400" smtClean="0"/>
+              <a:rPr lang="en-US" sz="4400" dirty="0" smtClean="0"/>
               <a:t>Define the</a:t>
             </a:r>
           </a:p>
@@ -7990,11 +7859,11 @@
               </a:spcBef>
             </a:pPr>
             <a:r>
-              <a:rPr lang="en-US" sz="4400" smtClean="0"/>
+              <a:rPr lang="en-US" sz="4400" dirty="0" smtClean="0"/>
               <a:t>   sum-value, </a:t>
             </a:r>
             <a:r>
-              <a:rPr lang="en-US" sz="4400" smtClean="0">
+              <a:rPr lang="en-US" sz="4400" dirty="0" err="1" smtClean="0">
                 <a:solidFill>
                   <a:srgbClr val="0000CC"/>
                 </a:solidFill>
@@ -8004,7 +7873,7 @@
               <a:t>σ</a:t>
             </a:r>
             <a:r>
-              <a:rPr lang="en-US" sz="4400" smtClean="0"/>
+              <a:rPr lang="en-US" sz="4400" dirty="0" smtClean="0"/>
               <a:t>, of a state:</a:t>
             </a:r>
           </a:p>
@@ -8017,7 +7886,7 @@
               <a:buNone/>
             </a:pPr>
             <a:r>
-              <a:rPr lang="en-US" sz="6000" smtClean="0">
+              <a:rPr lang="en-US" sz="6000" dirty="0" err="1" smtClean="0">
                 <a:solidFill>
                   <a:srgbClr val="0000CC"/>
                 </a:solidFill>
@@ -8027,13 +7896,13 @@
               <a:t>σ</a:t>
             </a:r>
             <a:r>
-              <a:rPr lang="en-US" sz="6000" smtClean="0">
+              <a:rPr lang="en-US" sz="6000" dirty="0" smtClean="0">
                 <a:sym typeface="Symbol" pitchFamily="-107" charset="2"/>
               </a:rPr>
               <a:t>(</a:t>
             </a:r>
             <a:r>
-              <a:rPr lang="en-US" sz="6000" smtClean="0">
+              <a:rPr lang="en-US" sz="6000" dirty="0" err="1" smtClean="0">
                 <a:solidFill>
                   <a:srgbClr val="0000FF"/>
                 </a:solidFill>
@@ -8041,20 +7910,35 @@
               <a:t>x,y</a:t>
             </a:r>
             <a:r>
-              <a:rPr lang="en-US" sz="6000" smtClean="0">
+              <a:rPr lang="en-US" sz="6000" dirty="0" smtClean="0">
                 <a:sym typeface="Symbol" pitchFamily="-107" charset="2"/>
               </a:rPr>
               <a:t>) ::=</a:t>
             </a:r>
             <a:r>
-              <a:rPr lang="en-US" sz="6000" smtClean="0">
+              <a:rPr lang="en-US" sz="6000" dirty="0" smtClean="0">
                 <a:solidFill>
                   <a:srgbClr val="0000FF"/>
                 </a:solidFill>
                 <a:sym typeface="Symbol" pitchFamily="-107" charset="2"/>
               </a:rPr>
-              <a:t> x+y</a:t>
-            </a:r>
+              <a:t> </a:t>
+            </a:r>
+            <a:r>
+              <a:rPr lang="en-US" sz="6000" dirty="0" err="1" smtClean="0">
+                <a:solidFill>
+                  <a:srgbClr val="0000FF"/>
+                </a:solidFill>
+                <a:sym typeface="Symbol" pitchFamily="-107" charset="2"/>
+              </a:rPr>
+              <a:t>x+y</a:t>
+            </a:r>
+            <a:endParaRPr lang="en-US" sz="6000" dirty="0" smtClean="0">
+              <a:solidFill>
+                <a:srgbClr val="0000FF"/>
+              </a:solidFill>
+              <a:sym typeface="Symbol" pitchFamily="-107" charset="2"/>
+            </a:endParaRPr>
           </a:p>
           <a:p>
             <a:pPr lvl="1" eaLnBrk="1" hangingPunct="1">
@@ -8062,13 +7946,13 @@
               <a:buNone/>
             </a:pPr>
             <a:r>
-              <a:rPr lang="en-US" sz="4400" smtClean="0">
+              <a:rPr lang="en-US" sz="4400" dirty="0" smtClean="0">
                 <a:sym typeface="Symbol" pitchFamily="-107" charset="2"/>
               </a:rPr>
               <a:t>an </a:t>
             </a:r>
             <a:r>
-              <a:rPr lang="en-US" sz="4400" smtClean="0">
+              <a:rPr lang="en-US" sz="4400" dirty="0" smtClean="0">
                 <a:solidFill>
                   <a:srgbClr val="0000CC"/>
                 </a:solidFill>
@@ -8077,13 +7961,13 @@
               <a:t></a:t>
             </a:r>
             <a:r>
-              <a:rPr lang="en-US" sz="4400" smtClean="0">
+              <a:rPr lang="en-US" sz="4400" dirty="0" smtClean="0">
                 <a:sym typeface="Euclid Extra" pitchFamily="-107" charset="0"/>
               </a:rPr>
               <a:t>-</a:t>
             </a:r>
             <a:r>
-              <a:rPr lang="en-US" sz="4400" smtClean="0">
+              <a:rPr lang="en-US" sz="4400" dirty="0" smtClean="0">
                 <a:sym typeface="Symbol" pitchFamily="-107" charset="2"/>
               </a:rPr>
               <a:t>valued derived variable</a:t>
@@ -8160,10 +8044,27 @@
         </p:txBody>
       </p:sp>
     </p:spTree>
+    <p:extLst>
+      <p:ext uri="{BB962C8B-B14F-4D97-AF65-F5344CB8AC3E}">
+        <p14:creationId xmlns:p14="http://schemas.microsoft.com/office/powerpoint/2010/main" val="133324650"/>
+      </p:ext>
+    </p:extLst>
   </p:cSld>
   <p:clrMapOvr>
     <a:masterClrMapping/>
   </p:clrMapOvr>
+  <mc:AlternateContent xmlns:mc="http://schemas.openxmlformats.org/markup-compatibility/2006" xmlns:p14="http://schemas.microsoft.com/office/powerpoint/2010/main">
+    <mc:Choice Requires="p14">
+      <p:transition spd="med" p14:dur="700">
+        <p:fade/>
+      </p:transition>
+    </mc:Choice>
+    <mc:Fallback xmlns="">
+      <p:transition xmlns:p14="http://schemas.microsoft.com/office/powerpoint/2010/main" spd="med">
+        <p:fade/>
+      </p:transition>
+    </mc:Fallback>
+  </mc:AlternateContent>
   <p:timing>
     <p:tnLst>
       <p:par>
@@ -8185,7 +8086,7 @@
                             </p:stCondLst>
                             <p:childTnLst>
                               <p:par>
-                                <p:cTn id="5" presetID="1" presetClass="entr" presetSubtype="0" fill="hold" grpId="0" nodeType="clickEffect">
+                                <p:cTn id="5" presetID="22" presetClass="entr" presetSubtype="8" fill="hold" grpId="0" nodeType="clickEffect">
                                   <p:stCondLst>
                                     <p:cond delay="0"/>
                                   </p:stCondLst>
@@ -8193,86 +8094,6 @@
                                     <p:set>
                                       <p:cBhvr>
                                         <p:cTn id="6" dur="1" fill="hold">
-                                          <p:stCondLst>
-                                            <p:cond delay="0"/>
-                                          </p:stCondLst>
-                                        </p:cTn>
-                                        <p:tgtEl>
-                                          <p:spTgt spid="21506">
-                                            <p:txEl>
-                                              <p:pRg st="1" end="1"/>
-                                            </p:txEl>
-                                          </p:spTgt>
-                                        </p:tgtEl>
-                                        <p:attrNameLst>
-                                          <p:attrName>style.visibility</p:attrName>
-                                        </p:attrNameLst>
-                                      </p:cBhvr>
-                                      <p:to>
-                                        <p:strVal val="visible"/>
-                                      </p:to>
-                                    </p:set>
-                                  </p:childTnLst>
-                                </p:cTn>
-                              </p:par>
-                              <p:par>
-                                <p:cTn id="7" presetID="1" presetClass="entr" presetSubtype="0" fill="hold" grpId="0" nodeType="withEffect">
-                                  <p:stCondLst>
-                                    <p:cond delay="0"/>
-                                  </p:stCondLst>
-                                  <p:childTnLst>
-                                    <p:set>
-                                      <p:cBhvr>
-                                        <p:cTn id="8" dur="1" fill="hold">
-                                          <p:stCondLst>
-                                            <p:cond delay="0"/>
-                                          </p:stCondLst>
-                                        </p:cTn>
-                                        <p:tgtEl>
-                                          <p:spTgt spid="21506">
-                                            <p:txEl>
-                                              <p:pRg st="2" end="2"/>
-                                            </p:txEl>
-                                          </p:spTgt>
-                                        </p:tgtEl>
-                                        <p:attrNameLst>
-                                          <p:attrName>style.visibility</p:attrName>
-                                        </p:attrNameLst>
-                                      </p:cBhvr>
-                                      <p:to>
-                                        <p:strVal val="visible"/>
-                                      </p:to>
-                                    </p:set>
-                                  </p:childTnLst>
-                                </p:cTn>
-                              </p:par>
-                            </p:childTnLst>
-                          </p:cTn>
-                        </p:par>
-                      </p:childTnLst>
-                    </p:cTn>
-                  </p:par>
-                  <p:par>
-                    <p:cTn id="9" fill="hold">
-                      <p:stCondLst>
-                        <p:cond delay="indefinite"/>
-                      </p:stCondLst>
-                      <p:childTnLst>
-                        <p:par>
-                          <p:cTn id="10" fill="hold">
-                            <p:stCondLst>
-                              <p:cond delay="0"/>
-                            </p:stCondLst>
-                            <p:childTnLst>
-                              <p:par>
-                                <p:cTn id="11" presetID="22" presetClass="entr" presetSubtype="8" fill="hold" grpId="0" nodeType="clickEffect">
-                                  <p:stCondLst>
-                                    <p:cond delay="0"/>
-                                  </p:stCondLst>
-                                  <p:childTnLst>
-                                    <p:set>
-                                      <p:cBhvr>
-                                        <p:cTn id="12" dur="1" fill="hold">
                                           <p:stCondLst>
                                             <p:cond delay="0"/>
                                           </p:stCondLst>
@@ -8294,7 +8115,7 @@
                                     </p:set>
                                     <p:animEffect transition="in" filter="wipe(left)">
                                       <p:cBhvr>
-                                        <p:cTn id="13" dur="500"/>
+                                        <p:cTn id="7" dur="500"/>
                                         <p:tgtEl>
                                           <p:spTgt spid="21506">
                                             <p:txEl>
@@ -8314,26 +8135,26 @@
                     </p:cTn>
                   </p:par>
                   <p:par>
-                    <p:cTn id="14" fill="hold">
+                    <p:cTn id="8" fill="hold">
                       <p:stCondLst>
                         <p:cond delay="indefinite"/>
                       </p:stCondLst>
                       <p:childTnLst>
                         <p:par>
-                          <p:cTn id="15" fill="hold">
+                          <p:cTn id="9" fill="hold">
                             <p:stCondLst>
                               <p:cond delay="0"/>
                             </p:stCondLst>
                             <p:childTnLst>
                               <p:par>
-                                <p:cTn id="16" presetID="10" presetClass="entr" presetSubtype="0" fill="hold" grpId="0" nodeType="clickEffect">
+                                <p:cTn id="10" presetID="10" presetClass="entr" presetSubtype="0" fill="hold" grpId="0" nodeType="clickEffect">
                                   <p:stCondLst>
                                     <p:cond delay="0"/>
                                   </p:stCondLst>
                                   <p:childTnLst>
                                     <p:set>
                                       <p:cBhvr>
-                                        <p:cTn id="17" dur="1" fill="hold">
+                                        <p:cTn id="11" dur="1" fill="hold">
                                           <p:stCondLst>
                                             <p:cond delay="0"/>
                                           </p:stCondLst>
@@ -8355,7 +8176,7 @@
                                     </p:set>
                                     <p:animEffect transition="in" filter="fade">
                                       <p:cBhvr>
-                                        <p:cTn id="18" dur="500"/>
+                                        <p:cTn id="12" dur="500"/>
                                         <p:tgtEl>
                                           <p:spTgt spid="21506">
                                             <p:txEl>
@@ -8431,7 +8252,7 @@
         </p:nvSpPr>
         <p:spPr bwMode="auto">
           <a:xfrm>
-            <a:off x="373063" y="1347788"/>
+            <a:off x="373063" y="1363663"/>
             <a:ext cx="8458200" cy="4198937"/>
           </a:xfrm>
           <a:noFill/>
@@ -8451,11 +8272,11 @@
           <a:p>
             <a:pPr marL="0" indent="0" eaLnBrk="1" hangingPunct="1"/>
             <a:r>
-              <a:rPr lang="en-US" sz="4800" smtClean="0"/>
+              <a:rPr lang="en-US" sz="4800" dirty="0" smtClean="0"/>
               <a:t>Called </a:t>
             </a:r>
             <a:r>
-              <a:rPr lang="en-US" sz="4800" smtClean="0">
+              <a:rPr lang="en-US" sz="4800" dirty="0" smtClean="0">
                 <a:solidFill>
                   <a:srgbClr val="0000CC"/>
                 </a:solidFill>
@@ -8463,15 +8284,11 @@
               <a:t>derived</a:t>
             </a:r>
             <a:r>
-              <a:rPr lang="en-US" sz="4800" i="1" smtClean="0"/>
-              <a:t> </a:t>
-            </a:r>
-            <a:r>
-              <a:rPr lang="en-US" sz="4800" smtClean="0"/>
-              <a:t>to distinguish from </a:t>
-            </a:r>
-            <a:r>
-              <a:rPr lang="en-US" sz="4800" smtClean="0">
+              <a:rPr lang="en-US" sz="4800" dirty="0" smtClean="0"/>
+              <a:t> to distinguish from </a:t>
+            </a:r>
+            <a:r>
+              <a:rPr lang="en-US" sz="4800" dirty="0" smtClean="0">
                 <a:solidFill>
                   <a:srgbClr val="008000"/>
                 </a:solidFill>
@@ -8479,18 +8296,18 @@
               <a:t>actual</a:t>
             </a:r>
             <a:r>
-              <a:rPr lang="en-US" sz="4800" smtClean="0"/>
+              <a:rPr lang="en-US" sz="4800" dirty="0" smtClean="0"/>
               <a:t> variables that appear in a program.  </a:t>
             </a:r>
           </a:p>
           <a:p>
             <a:pPr marL="0" indent="0" eaLnBrk="1" hangingPunct="1"/>
             <a:r>
-              <a:rPr lang="en-US" sz="4800" smtClean="0"/>
+              <a:rPr lang="en-US" sz="4800" dirty="0" smtClean="0"/>
               <a:t>For robot    </a:t>
             </a:r>
             <a:r>
-              <a:rPr lang="en-US" sz="4800" smtClean="0">
+              <a:rPr lang="en-US" sz="4800" dirty="0" smtClean="0">
                 <a:solidFill>
                   <a:srgbClr val="008000"/>
                 </a:solidFill>
@@ -8498,7 +8315,7 @@
               <a:t>Actual:</a:t>
             </a:r>
             <a:r>
-              <a:rPr lang="en-US" sz="4800" smtClean="0">
+              <a:rPr lang="en-US" sz="4800" dirty="0" smtClean="0">
                 <a:solidFill>
                   <a:srgbClr val="0000CC"/>
                 </a:solidFill>
@@ -8512,7 +8329,7 @@
               <a:buNone/>
             </a:pPr>
             <a:r>
-              <a:rPr lang="en-US" sz="4800" smtClean="0">
+              <a:rPr lang="en-US" sz="4800" dirty="0" smtClean="0">
                 <a:solidFill>
                   <a:srgbClr val="006600"/>
                 </a:solidFill>
@@ -8520,7 +8337,7 @@
               <a:t>                   </a:t>
             </a:r>
             <a:r>
-              <a:rPr lang="en-US" sz="4800" smtClean="0">
+              <a:rPr lang="en-US" sz="4800" dirty="0" smtClean="0">
                 <a:solidFill>
                   <a:srgbClr val="0000CC"/>
                 </a:solidFill>
@@ -8528,7 +8345,7 @@
               <a:t>Derived: </a:t>
             </a:r>
             <a:r>
-              <a:rPr lang="en-US" sz="4800" smtClean="0">
+              <a:rPr lang="en-US" sz="4800" dirty="0" err="1" smtClean="0">
                 <a:solidFill>
                   <a:srgbClr val="0000CC"/>
                 </a:solidFill>
@@ -8537,7 +8354,7 @@
               </a:rPr>
               <a:t>σ</a:t>
             </a:r>
-            <a:endParaRPr lang="en-US" sz="4800" smtClean="0">
+            <a:endParaRPr lang="en-US" sz="4800" dirty="0" smtClean="0">
               <a:solidFill>
                 <a:srgbClr val="0000CC"/>
               </a:solidFill>
@@ -8615,10 +8432,23 @@
         </p:txBody>
       </p:sp>
     </p:spTree>
+    <p:extLst>
+      <p:ext uri="{BB962C8B-B14F-4D97-AF65-F5344CB8AC3E}">
+        <p14:creationId xmlns:p14="http://schemas.microsoft.com/office/powerpoint/2010/main" val="1221264748"/>
+      </p:ext>
+    </p:extLst>
   </p:cSld>
   <p:clrMapOvr>
     <a:masterClrMapping/>
   </p:clrMapOvr>
+  <mc:AlternateContent xmlns:mc="http://schemas.openxmlformats.org/markup-compatibility/2006" xmlns:p14="http://schemas.microsoft.com/office/powerpoint/2010/main">
+    <mc:Choice Requires="p14">
+      <p:transition p14:dur="0"/>
+    </mc:Choice>
+    <mc:Fallback xmlns="">
+      <p:transition xmlns:p14="http://schemas.microsoft.com/office/powerpoint/2010/main"/>
+    </mc:Fallback>
+  </mc:AlternateContent>
   <p:timing>
     <p:tnLst>
       <p:par>
@@ -8640,7 +8470,7 @@
                             </p:stCondLst>
                             <p:childTnLst>
                               <p:par>
-                                <p:cTn id="5" presetID="1" presetClass="entr" presetSubtype="0" fill="hold" nodeType="clickEffect">
+                                <p:cTn id="5" presetID="9" presetClass="entr" presetSubtype="0" fill="hold" grpId="0" nodeType="clickEffect">
                                   <p:stCondLst>
                                     <p:cond delay="0"/>
                                   </p:stCondLst>
@@ -8667,6 +8497,18 @@
                                         <p:strVal val="visible"/>
                                       </p:to>
                                     </p:set>
+                                    <p:animEffect transition="in" filter="dissolve">
+                                      <p:cBhvr>
+                                        <p:cTn id="7" dur="500"/>
+                                        <p:tgtEl>
+                                          <p:spTgt spid="706563">
+                                            <p:txEl>
+                                              <p:pRg st="1" end="1"/>
+                                            </p:txEl>
+                                          </p:spTgt>
+                                        </p:tgtEl>
+                                      </p:cBhvr>
+                                    </p:animEffect>
                                   </p:childTnLst>
                                 </p:cTn>
                               </p:par>
@@ -8677,26 +8519,26 @@
                     </p:cTn>
                   </p:par>
                   <p:par>
-                    <p:cTn id="7" fill="hold">
+                    <p:cTn id="8" fill="hold">
                       <p:stCondLst>
                         <p:cond delay="indefinite"/>
                       </p:stCondLst>
                       <p:childTnLst>
                         <p:par>
-                          <p:cTn id="8" fill="hold">
+                          <p:cTn id="9" fill="hold">
                             <p:stCondLst>
                               <p:cond delay="0"/>
                             </p:stCondLst>
                             <p:childTnLst>
                               <p:par>
-                                <p:cTn id="9" presetID="1" presetClass="entr" presetSubtype="0" fill="hold" nodeType="clickEffect">
+                                <p:cTn id="10" presetID="9" presetClass="entr" presetSubtype="0" fill="hold" grpId="0" nodeType="clickEffect">
                                   <p:stCondLst>
                                     <p:cond delay="0"/>
                                   </p:stCondLst>
                                   <p:childTnLst>
                                     <p:set>
                                       <p:cBhvr>
-                                        <p:cTn id="10" dur="1" fill="hold">
+                                        <p:cTn id="11" dur="1" fill="hold">
                                           <p:stCondLst>
                                             <p:cond delay="0"/>
                                           </p:stCondLst>
@@ -8716,6 +8558,18 @@
                                         <p:strVal val="visible"/>
                                       </p:to>
                                     </p:set>
+                                    <p:animEffect transition="in" filter="dissolve">
+                                      <p:cBhvr>
+                                        <p:cTn id="12" dur="500"/>
+                                        <p:tgtEl>
+                                          <p:spTgt spid="706563">
+                                            <p:txEl>
+                                              <p:pRg st="2" end="2"/>
+                                            </p:txEl>
+                                          </p:spTgt>
+                                        </p:tgtEl>
+                                      </p:cBhvr>
+                                    </p:animEffect>
                                   </p:childTnLst>
                                 </p:cTn>
                               </p:par>
@@ -8746,6 +8600,9 @@
         </p:cTn>
       </p:par>
     </p:tnLst>
+    <p:bldLst>
+      <p:bldP spid="706563" grpId="0" build="p"/>
+    </p:bldLst>
   </p:timing>
 </p:sld>
 </file>
@@ -8805,7 +8662,7 @@
               <a:buNone/>
             </a:pPr>
             <a:r>
-              <a:rPr lang="en-US" sz="4800" smtClean="0"/>
+              <a:rPr lang="en-US" sz="4800" dirty="0" smtClean="0"/>
               <a:t>Another derived variable:</a:t>
             </a:r>
           </a:p>
@@ -8818,7 +8675,7 @@
               <a:buNone/>
             </a:pPr>
             <a:r>
-              <a:rPr lang="en-US" sz="6000" smtClean="0">
+              <a:rPr lang="en-US" sz="6000" dirty="0" smtClean="0">
                 <a:solidFill>
                   <a:srgbClr val="0000CC"/>
                 </a:solidFill>
@@ -8827,11 +8684,11 @@
               <a:t>π</a:t>
             </a:r>
             <a:r>
-              <a:rPr lang="en-US" sz="6000" smtClean="0"/>
+              <a:rPr lang="en-US" sz="6000" dirty="0" smtClean="0"/>
               <a:t> ::= </a:t>
             </a:r>
             <a:r>
-              <a:rPr lang="en-US" sz="6000" smtClean="0">
+              <a:rPr lang="en-US" sz="6000" dirty="0" err="1" smtClean="0">
                 <a:solidFill>
                   <a:srgbClr val="0000CC"/>
                 </a:solidFill>
@@ -8841,10 +8698,10 @@
               <a:t>σ</a:t>
             </a:r>
             <a:r>
-              <a:rPr lang="en-US" sz="6000" smtClean="0"/>
+              <a:rPr lang="en-US" sz="6000" dirty="0" smtClean="0"/>
               <a:t> (mod 2)</a:t>
             </a:r>
-            <a:endParaRPr lang="en-US" sz="6000" i="1" smtClean="0"/>
+            <a:endParaRPr lang="en-US" sz="6000" i="1" dirty="0" smtClean="0"/>
           </a:p>
           <a:p>
             <a:pPr lvl="1" algn="ctr" eaLnBrk="1" hangingPunct="1">
@@ -8855,7 +8712,7 @@
               <a:buNone/>
             </a:pPr>
             <a:r>
-              <a:rPr lang="en-US" sz="6000" smtClean="0">
+              <a:rPr lang="en-US" sz="6000" dirty="0" smtClean="0">
                 <a:solidFill>
                   <a:srgbClr val="0000CC"/>
                 </a:solidFill>
@@ -8864,7 +8721,7 @@
               <a:t>π</a:t>
             </a:r>
             <a:r>
-              <a:rPr lang="en-US" sz="6000" smtClean="0">
+              <a:rPr lang="en-US" sz="6000" dirty="0" smtClean="0">
                 <a:solidFill>
                   <a:srgbClr val="006600"/>
                 </a:solidFill>
@@ -8873,13 +8730,13 @@
               <a:t> </a:t>
             </a:r>
             <a:r>
-              <a:rPr lang="en-US" sz="6000" smtClean="0">
+              <a:rPr lang="en-US" sz="6000" dirty="0" smtClean="0">
                 <a:sym typeface="Symbol" pitchFamily="-107" charset="2"/>
               </a:rPr>
               <a:t>is</a:t>
             </a:r>
             <a:r>
-              <a:rPr lang="en-US" sz="6000" smtClean="0">
+              <a:rPr lang="en-US" sz="6000" dirty="0" smtClean="0">
                 <a:solidFill>
                   <a:srgbClr val="006600"/>
                 </a:solidFill>
@@ -8888,8 +8745,16 @@
               <a:t> </a:t>
             </a:r>
             <a:r>
-              <a:rPr lang="en-US" sz="6000" smtClean="0"/>
-              <a:t>{0,1}-valued</a:t>
+              <a:rPr lang="en-US" sz="6000" dirty="0" smtClean="0">
+                <a:solidFill>
+                  <a:srgbClr val="008000"/>
+                </a:solidFill>
+              </a:rPr>
+              <a:t>{0,1}</a:t>
+            </a:r>
+            <a:r>
+              <a:rPr lang="en-US" sz="6000" dirty="0" smtClean="0"/>
+              <a:t>-valued</a:t>
             </a:r>
           </a:p>
         </p:txBody>
@@ -8963,6 +8828,11 @@
         </p:txBody>
       </p:sp>
     </p:spTree>
+    <p:extLst>
+      <p:ext uri="{BB962C8B-B14F-4D97-AF65-F5344CB8AC3E}">
+        <p14:creationId xmlns:p14="http://schemas.microsoft.com/office/powerpoint/2010/main" val="2747782514"/>
+      </p:ext>
+    </p:extLst>
   </p:cSld>
   <p:clrMapOvr>
     <a:masterClrMapping/>
@@ -8991,7 +8861,7 @@
                             </p:stCondLst>
                             <p:childTnLst>
                               <p:par>
-                                <p:cTn id="5" presetID="1" presetClass="entr" presetSubtype="0" fill="hold" grpId="0" nodeType="clickEffect">
+                                <p:cTn id="5" presetID="9" presetClass="entr" presetSubtype="0" fill="hold" grpId="1" nodeType="clickEffect">
                                   <p:stCondLst>
                                     <p:cond delay="0"/>
                                   </p:stCondLst>
@@ -9018,6 +8888,18 @@
                                         <p:strVal val="visible"/>
                                       </p:to>
                                     </p:set>
+                                    <p:animEffect transition="in" filter="dissolve">
+                                      <p:cBhvr>
+                                        <p:cTn id="7" dur="500"/>
+                                        <p:tgtEl>
+                                          <p:spTgt spid="23554">
+                                            <p:txEl>
+                                              <p:pRg st="2" end="2"/>
+                                            </p:txEl>
+                                          </p:spTgt>
+                                        </p:tgtEl>
+                                      </p:cBhvr>
+                                    </p:animEffect>
                                   </p:childTnLst>
                                 </p:cTn>
                               </p:par>
@@ -9049,7 +8931,7 @@
       </p:par>
     </p:tnLst>
     <p:bldLst>
-      <p:bldP spid="23554" grpId="0" build="p"/>
+      <p:bldP spid="23554" grpId="1" uiExpand="1" build="p"/>
     </p:bldLst>
   </p:timing>
 </p:sld>
@@ -9082,8 +8964,8 @@
         </p:nvSpPr>
         <p:spPr bwMode="auto">
           <a:xfrm>
-            <a:off x="500063" y="1431925"/>
-            <a:ext cx="8220075" cy="3970338"/>
+            <a:off x="228600" y="1431924"/>
+            <a:ext cx="8762999" cy="4247317"/>
           </a:xfrm>
           <a:prstGeom prst="rect">
             <a:avLst/>
@@ -9097,7 +8979,7 @@
           </a:ln>
         </p:spPr>
         <p:txBody>
-          <a:bodyPr>
+          <a:bodyPr wrap="square">
             <a:prstTxWarp prst="textNoShape">
               <a:avLst/>
             </a:prstTxWarp>
@@ -9105,134 +8987,195 @@
           </a:bodyPr>
           <a:lstStyle/>
           <a:p>
-            <a:r>
-              <a:rPr lang="en-US" sz="5400">
-                <a:latin typeface="Comic Sans MS" pitchFamily="-107" charset="0"/>
-              </a:rPr>
-              <a:t>For GCD, have (actual) variables </a:t>
-            </a:r>
-            <a:r>
-              <a:rPr lang="en-US" sz="5400">
-                <a:solidFill>
-                  <a:srgbClr val="0000CC"/>
-                </a:solidFill>
-                <a:latin typeface="Comic Sans MS" pitchFamily="-107" charset="0"/>
-              </a:rPr>
-              <a:t>x</a:t>
-            </a:r>
-            <a:r>
-              <a:rPr lang="en-US" sz="5400">
-                <a:latin typeface="Comic Sans MS" pitchFamily="-107" charset="0"/>
-              </a:rPr>
-              <a:t>, </a:t>
-            </a:r>
-            <a:r>
-              <a:rPr lang="en-US" sz="5400">
-                <a:solidFill>
-                  <a:srgbClr val="0000CC"/>
-                </a:solidFill>
-                <a:latin typeface="Comic Sans MS" pitchFamily="-107" charset="0"/>
-              </a:rPr>
-              <a:t>y</a:t>
-            </a:r>
-            <a:r>
-              <a:rPr lang="en-US" sz="5400">
-                <a:latin typeface="Comic Sans MS" pitchFamily="-107" charset="0"/>
+            <a:pPr algn="l"/>
+            <a:r>
+              <a:rPr lang="en-US" sz="5400" dirty="0">
+                <a:latin typeface="Comic Sans MS"/>
+                <a:cs typeface="Comic Sans MS"/>
+              </a:rPr>
+              <a:t>For </a:t>
+            </a:r>
+            <a:r>
+              <a:rPr lang="en-US" sz="5400" dirty="0" smtClean="0">
+                <a:latin typeface="Comic Sans MS"/>
+                <a:cs typeface="Comic Sans MS"/>
+              </a:rPr>
+              <a:t>Fast </a:t>
+            </a:r>
+            <a:r>
+              <a:rPr lang="en-US" sz="5400" dirty="0" err="1" smtClean="0">
+                <a:latin typeface="Comic Sans MS"/>
+                <a:cs typeface="Comic Sans MS"/>
+              </a:rPr>
+              <a:t>Exp</a:t>
+            </a:r>
+            <a:r>
+              <a:rPr lang="en-US" sz="5400" dirty="0" smtClean="0">
+                <a:latin typeface="Comic Sans MS"/>
+                <a:cs typeface="Comic Sans MS"/>
+              </a:rPr>
+              <a:t>, have (</a:t>
+            </a:r>
+            <a:r>
+              <a:rPr lang="en-US" sz="5400" dirty="0">
+                <a:latin typeface="Comic Sans MS"/>
+                <a:cs typeface="Comic Sans MS"/>
+              </a:rPr>
+              <a:t>actual) </a:t>
+            </a:r>
+            <a:r>
+              <a:rPr lang="en-US" sz="5400" dirty="0" smtClean="0">
+                <a:latin typeface="Comic Sans MS"/>
+                <a:cs typeface="Comic Sans MS"/>
+              </a:rPr>
+              <a:t>variable </a:t>
+            </a:r>
+            <a:r>
+              <a:rPr lang="en-US" sz="5400" dirty="0">
+                <a:latin typeface="Comic Sans MS"/>
+                <a:cs typeface="Comic Sans MS"/>
+              </a:rPr>
+              <a:t>Z</a:t>
+            </a:r>
+            <a:r>
+              <a:rPr lang="en-US" sz="5400" dirty="0" smtClean="0">
+                <a:latin typeface="Comic Sans MS"/>
+                <a:cs typeface="Comic Sans MS"/>
               </a:rPr>
               <a:t>.</a:t>
             </a:r>
-          </a:p>
-          <a:p>
-            <a:r>
-              <a:rPr lang="en-US" sz="4800">
-                <a:latin typeface="Comic Sans MS" pitchFamily="-107" charset="0"/>
-              </a:rPr>
-              <a:t>Proof of </a:t>
-            </a:r>
-            <a:r>
-              <a:rPr lang="en-US" sz="4800">
+            <a:endParaRPr lang="en-US" sz="5400" dirty="0">
+              <a:latin typeface="Comic Sans MS"/>
+              <a:cs typeface="Comic Sans MS"/>
+            </a:endParaRPr>
+          </a:p>
+          <a:p>
+            <a:pPr algn="l"/>
+            <a:r>
+              <a:rPr lang="en-US" sz="5400" dirty="0">
+                <a:latin typeface="Comic Sans MS"/>
+                <a:cs typeface="Comic Sans MS"/>
+              </a:rPr>
+              <a:t>Proof </a:t>
+            </a:r>
+            <a:r>
+              <a:rPr lang="en-US" sz="5400" dirty="0" smtClean="0">
+                <a:latin typeface="Comic Sans MS"/>
+                <a:cs typeface="Comic Sans MS"/>
+              </a:rPr>
+              <a:t>of</a:t>
+            </a:r>
+            <a:r>
+              <a:rPr lang="en-US" sz="5400" dirty="0" smtClean="0">
                 <a:solidFill>
                   <a:srgbClr val="0000FF"/>
                 </a:solidFill>
-                <a:latin typeface="Comic Sans MS" pitchFamily="-107" charset="0"/>
-              </a:rPr>
-              <a:t>GCD termination</a:t>
-            </a:r>
-            <a:r>
-              <a:rPr lang="en-US" sz="4800">
-                <a:latin typeface="Comic Sans MS" pitchFamily="-107" charset="0"/>
+                <a:latin typeface="Comic Sans MS"/>
+                <a:cs typeface="Comic Sans MS"/>
+              </a:rPr>
+              <a:t> </a:t>
+            </a:r>
+            <a:r>
+              <a:rPr lang="en-US" sz="5400" dirty="0">
+                <a:solidFill>
+                  <a:srgbClr val="0000FF"/>
+                </a:solidFill>
+                <a:latin typeface="Comic Sans MS"/>
+                <a:cs typeface="Comic Sans MS"/>
+              </a:rPr>
+              <a:t>termination</a:t>
+            </a:r>
+            <a:r>
+              <a:rPr lang="en-US" sz="5400" dirty="0">
+                <a:latin typeface="Comic Sans MS"/>
+                <a:cs typeface="Comic Sans MS"/>
               </a:rPr>
               <a:t>:</a:t>
             </a:r>
           </a:p>
           <a:p>
-            <a:r>
-              <a:rPr lang="en-US" sz="4800" i="1">
+            <a:pPr algn="l"/>
+            <a:r>
+              <a:rPr lang="en-US" sz="5400" dirty="0">
                 <a:solidFill>
                   <a:srgbClr val="0066FF"/>
                 </a:solidFill>
-                <a:latin typeface="Comic Sans MS" pitchFamily="-107" charset="0"/>
+                <a:latin typeface="Comic Sans MS"/>
+                <a:cs typeface="Comic Sans MS"/>
               </a:rPr>
               <a:t>  </a:t>
             </a:r>
             <a:r>
-              <a:rPr lang="en-US" sz="4800">
-                <a:solidFill>
-                  <a:srgbClr val="0000CC"/>
-                </a:solidFill>
-                <a:latin typeface="Comic Sans MS" pitchFamily="-107" charset="0"/>
-              </a:rPr>
-              <a:t>y</a:t>
-            </a:r>
-            <a:r>
-              <a:rPr lang="en-US" sz="4800">
-                <a:latin typeface="Comic Sans MS" pitchFamily="-107" charset="0"/>
-              </a:rPr>
-              <a:t> is </a:t>
-            </a:r>
-            <a:r>
-              <a:rPr lang="en-US" sz="4800">
+              <a:rPr lang="en-US" sz="5400" dirty="0">
+                <a:latin typeface="Comic Sans MS"/>
+                <a:cs typeface="Comic Sans MS"/>
+              </a:rPr>
+              <a:t>Z</a:t>
+            </a:r>
+            <a:r>
+              <a:rPr lang="en-US" sz="5400" dirty="0" smtClean="0">
+                <a:latin typeface="Comic Sans MS"/>
+                <a:cs typeface="Comic Sans MS"/>
+              </a:rPr>
+              <a:t> </a:t>
+            </a:r>
+            <a:r>
+              <a:rPr lang="en-US" sz="5400" dirty="0">
+                <a:latin typeface="Comic Sans MS"/>
+                <a:cs typeface="Comic Sans MS"/>
+              </a:rPr>
+              <a:t>is </a:t>
+            </a:r>
+            <a:r>
+              <a:rPr lang="en-US" sz="5400" dirty="0">
                 <a:solidFill>
                   <a:srgbClr val="FF00FF"/>
                 </a:solidFill>
-                <a:latin typeface="Comic Sans MS" pitchFamily="-107" charset="0"/>
+                <a:latin typeface="Comic Sans MS"/>
+                <a:cs typeface="Comic Sans MS"/>
               </a:rPr>
               <a:t>strictly decreasing</a:t>
             </a:r>
             <a:r>
-              <a:rPr lang="en-US" sz="4800">
+              <a:rPr lang="en-US" sz="5400" dirty="0">
                 <a:solidFill>
                   <a:srgbClr val="008000"/>
                 </a:solidFill>
-                <a:latin typeface="Comic Sans MS" pitchFamily="-107" charset="0"/>
+                <a:latin typeface="Comic Sans MS"/>
+                <a:cs typeface="Comic Sans MS"/>
               </a:rPr>
               <a:t> </a:t>
             </a:r>
             <a:r>
-              <a:rPr lang="en-US" sz="4800">
-                <a:latin typeface="Comic Sans MS" pitchFamily="-107" charset="0"/>
+              <a:rPr lang="en-US" sz="5400" dirty="0">
+                <a:latin typeface="Comic Sans MS"/>
+                <a:cs typeface="Comic Sans MS"/>
               </a:rPr>
               <a:t>&amp;</a:t>
             </a:r>
           </a:p>
           <a:p>
-            <a:r>
-              <a:rPr lang="en-US" sz="4800">
-                <a:latin typeface="Comic Sans MS" pitchFamily="-107" charset="0"/>
+            <a:pPr algn="l"/>
+            <a:r>
+              <a:rPr lang="en-US" sz="5400" dirty="0">
+                <a:latin typeface="Comic Sans MS"/>
+                <a:cs typeface="Comic Sans MS"/>
               </a:rPr>
               <a:t>   </a:t>
             </a:r>
             <a:r>
-              <a:rPr lang="en-US" sz="4800">
+              <a:rPr lang="en-US" sz="5400" dirty="0">
                 <a:solidFill>
                   <a:srgbClr val="FF00FF"/>
                 </a:solidFill>
-                <a:latin typeface="Comic Sans MS" pitchFamily="-107" charset="0"/>
+                <a:latin typeface="Comic Sans MS"/>
+                <a:cs typeface="Comic Sans MS"/>
               </a:rPr>
               <a:t>natural number-valued</a:t>
             </a:r>
-            <a:endParaRPr lang="en-US" sz="6600" i="1">
-              <a:latin typeface="Comic Sans MS" pitchFamily="-107" charset="0"/>
+            <a:endParaRPr lang="en-US" sz="5400" dirty="0">
+              <a:latin typeface="Comic Sans MS"/>
+              <a:cs typeface="Comic Sans MS"/>
             </a:endParaRPr>
           </a:p>
         </p:txBody>
@@ -9306,6 +9249,11 @@
         </p:txBody>
       </p:sp>
     </p:spTree>
+    <p:extLst>
+      <p:ext uri="{BB962C8B-B14F-4D97-AF65-F5344CB8AC3E}">
+        <p14:creationId xmlns:p14="http://schemas.microsoft.com/office/powerpoint/2010/main" val="3575269805"/>
+      </p:ext>
+    </p:extLst>
   </p:cSld>
   <p:clrMapOvr>
     <a:masterClrMapping/>
@@ -9600,14 +9548,14 @@
           <a:p>
             <a:pPr eaLnBrk="1" hangingPunct="1"/>
             <a:r>
-              <a:rPr lang="en-US" sz="4800" smtClean="0"/>
+              <a:rPr lang="en-US" sz="4800" dirty="0" smtClean="0"/>
               <a:t>Termination followed by</a:t>
             </a:r>
           </a:p>
           <a:p>
             <a:pPr algn="ctr" eaLnBrk="1" hangingPunct="1"/>
             <a:r>
-              <a:rPr lang="en-US" sz="4800" smtClean="0">
+              <a:rPr lang="en-US" sz="4800" dirty="0" smtClean="0">
                 <a:solidFill>
                   <a:srgbClr val="008000"/>
                 </a:solidFill>
@@ -9615,14 +9563,14 @@
               <a:t>Well Ordering Principle</a:t>
             </a:r>
             <a:r>
-              <a:rPr lang="en-US" sz="4800" smtClean="0"/>
+              <a:rPr lang="en-US" sz="4800" dirty="0" smtClean="0"/>
               <a:t>:</a:t>
             </a:r>
           </a:p>
           <a:p>
             <a:pPr eaLnBrk="1" hangingPunct="1"/>
             <a:r>
-              <a:rPr lang="en-US" sz="4800" i="1" smtClean="0">
+              <a:rPr lang="en-US" sz="4800" i="1" dirty="0" smtClean="0">
                 <a:solidFill>
                   <a:srgbClr val="006600"/>
                 </a:solidFill>
@@ -9630,19 +9578,36 @@
               <a:t> </a:t>
             </a:r>
             <a:r>
-              <a:rPr lang="en-US" sz="4800" smtClean="0">
+              <a:rPr lang="en-US" sz="4800" dirty="0" smtClean="0">
                 <a:solidFill>
                   <a:srgbClr val="0000CC"/>
                 </a:solidFill>
               </a:rPr>
-              <a:t> y </a:t>
-            </a:r>
-            <a:r>
-              <a:rPr lang="en-US" sz="4800" smtClean="0"/>
+              <a:t> </a:t>
+            </a:r>
+            <a:r>
+              <a:rPr lang="en-US" sz="4800" dirty="0">
+                <a:latin typeface="Comic Sans MS"/>
+                <a:cs typeface="Comic Sans MS"/>
+              </a:rPr>
+              <a:t>Z</a:t>
+            </a:r>
+            <a:r>
+              <a:rPr lang="en-US" sz="4800" dirty="0" smtClean="0">
+                <a:solidFill>
+                  <a:srgbClr val="0000CC"/>
+                </a:solidFill>
+                <a:latin typeface="Comic Sans MS"/>
+                <a:cs typeface="Comic Sans MS"/>
+              </a:rPr>
+              <a:t> </a:t>
+            </a:r>
+            <a:r>
+              <a:rPr lang="en-US" sz="4800" dirty="0" smtClean="0"/>
               <a:t>must take a </a:t>
             </a:r>
             <a:r>
-              <a:rPr lang="en-US" sz="4800" smtClean="0">
+              <a:rPr lang="en-US" sz="4800" dirty="0" smtClean="0">
                 <a:solidFill>
                   <a:srgbClr val="008000"/>
                 </a:solidFill>
@@ -9650,14 +9615,14 @@
               <a:t>least value</a:t>
             </a:r>
             <a:r>
-              <a:rPr lang="en-US" sz="4800" smtClean="0"/>
+              <a:rPr lang="en-US" sz="4800" dirty="0" smtClean="0"/>
               <a:t>.</a:t>
             </a:r>
           </a:p>
           <a:p>
             <a:pPr eaLnBrk="1" hangingPunct="1"/>
             <a:r>
-              <a:rPr lang="en-US" sz="4800" smtClean="0"/>
+              <a:rPr lang="en-US" sz="4800" dirty="0" smtClean="0"/>
               <a:t>  then the algorithm is stuck</a:t>
             </a:r>
           </a:p>
@@ -9694,10 +9659,27 @@
         </p:txBody>
       </p:sp>
     </p:spTree>
+    <p:extLst>
+      <p:ext uri="{BB962C8B-B14F-4D97-AF65-F5344CB8AC3E}">
+        <p14:creationId xmlns:p14="http://schemas.microsoft.com/office/powerpoint/2010/main" val="3866811385"/>
+      </p:ext>
+    </p:extLst>
   </p:cSld>
   <p:clrMapOvr>
     <a:masterClrMapping/>
   </p:clrMapOvr>
+  <mc:AlternateContent xmlns:mc="http://schemas.openxmlformats.org/markup-compatibility/2006" xmlns:p14="http://schemas.microsoft.com/office/powerpoint/2010/main">
+    <mc:Choice Requires="p14">
+      <p:transition spd="med" p14:dur="700">
+        <p:fade/>
+      </p:transition>
+    </mc:Choice>
+    <mc:Fallback xmlns="">
+      <p:transition xmlns:p14="http://schemas.microsoft.com/office/powerpoint/2010/main" spd="med">
+        <p:fade/>
+      </p:transition>
+    </mc:Fallback>
+  </mc:AlternateContent>
   <p:timing>
     <p:tnLst>
       <p:par>
@@ -10480,16 +10462,16 @@
           <a:graphicData uri="http://schemas.openxmlformats.org/presentationml/2006/ole">
             <mc:AlternateContent xmlns:mc="http://schemas.openxmlformats.org/markup-compatibility/2006">
               <mc:Choice xmlns:v="urn:schemas-microsoft-com:vml" Requires="v">
-                <p:oleObj spid="_x0000_s35849" name="Equation" r:id="rId4" imgW="7962840" imgH="596880" progId="Equation.DSMT4">
+                <p:oleObj spid="_x0000_s82960" name="Equation" r:id="rId4" imgW="7962840" imgH="596880" progId="Equation.3">
                   <p:embed/>
                 </p:oleObj>
               </mc:Choice>
               <mc:Fallback>
-                <p:oleObj name="Equation" r:id="rId4" imgW="7962840" imgH="596880" progId="Equation.DSMT4">
+                <p:oleObj name="Equation" r:id="rId4" imgW="7962840" imgH="596880" progId="Equation.3">
                   <p:embed/>
                   <p:pic>
                     <p:nvPicPr>
-                      <p:cNvPr id="0" name="Object 8"/>
+                      <p:cNvPr id="0" name=""/>
                       <p:cNvPicPr>
                         <a:picLocks noChangeAspect="1" noChangeArrowheads="1"/>
                       </p:cNvPicPr>
@@ -11090,6 +11072,11 @@
         </p:txBody>
       </p:sp>
     </p:spTree>
+    <p:extLst>
+      <p:ext uri="{BB962C8B-B14F-4D97-AF65-F5344CB8AC3E}">
+        <p14:creationId xmlns:p14="http://schemas.microsoft.com/office/powerpoint/2010/main" val="3910200217"/>
+      </p:ext>
+    </p:extLst>
   </p:cSld>
   <p:clrMapOvr>
     <a:masterClrMapping/>
@@ -12461,16 +12448,16 @@
           <a:graphicData uri="http://schemas.openxmlformats.org/presentationml/2006/ole">
             <mc:AlternateContent xmlns:mc="http://schemas.openxmlformats.org/markup-compatibility/2006">
               <mc:Choice xmlns:v="urn:schemas-microsoft-com:vml" Requires="v">
-                <p:oleObj spid="_x0000_s37897" name="Equation" r:id="rId4" imgW="7962840" imgH="596880" progId="Equation.DSMT4">
+                <p:oleObj spid="_x0000_s83984" name="Equation" r:id="rId4" imgW="7962840" imgH="596880" progId="Equation.3">
                   <p:embed/>
                 </p:oleObj>
               </mc:Choice>
               <mc:Fallback>
-                <p:oleObj name="Equation" r:id="rId4" imgW="7962840" imgH="596880" progId="Equation.DSMT4">
+                <p:oleObj name="Equation" r:id="rId4" imgW="7962840" imgH="596880" progId="Equation.3">
                   <p:embed/>
                   <p:pic>
                     <p:nvPicPr>
-                      <p:cNvPr id="0" name="Object 8"/>
+                      <p:cNvPr id="0" name=""/>
                       <p:cNvPicPr>
                         <a:picLocks noChangeAspect="1" noChangeArrowheads="1"/>
                       </p:cNvPicPr>
@@ -12516,6 +12503,11 @@
         </a:graphic>
       </p:graphicFrame>
     </p:spTree>
+    <p:extLst>
+      <p:ext uri="{BB962C8B-B14F-4D97-AF65-F5344CB8AC3E}">
+        <p14:creationId xmlns:p14="http://schemas.microsoft.com/office/powerpoint/2010/main" val="2753922287"/>
+      </p:ext>
+    </p:extLst>
   </p:cSld>
   <p:clrMapOvr>
     <a:masterClrMapping/>
